--- a/markdown/intro.pptx
+++ b/markdown/intro.pptx
@@ -2,42 +2,42 @@
 <file path=ppt/presentation.xml><?xml version="1.0" encoding="utf-8"?>
 <p:presentation xmlns:a="http://schemas.openxmlformats.org/drawingml/2006/main" xmlns:r="http://schemas.openxmlformats.org/officeDocument/2006/relationships" xmlns:p="http://schemas.openxmlformats.org/presentationml/2006/main" autoCompressPictures="0">
   <p:sldMasterIdLst>
-    <p:sldMasterId id="2147483648" r:id="rId1"/>
+    <p:sldMasterId id="2147483702" r:id="rId1"/>
   </p:sldMasterIdLst>
   <p:sldIdLst>
-    <p:sldId id="256" r:id="rId3"/>
-    <p:sldId id="257" r:id="rId4"/>
-    <p:sldId id="258" r:id="rId5"/>
-    <p:sldId id="259" r:id="rId6"/>
-    <p:sldId id="260" r:id="rId7"/>
-    <p:sldId id="261" r:id="rId8"/>
-    <p:sldId id="262" r:id="rId9"/>
-    <p:sldId id="263" r:id="rId10"/>
-    <p:sldId id="264" r:id="rId11"/>
-    <p:sldId id="265" r:id="rId12"/>
-    <p:sldId id="266" r:id="rId13"/>
-    <p:sldId id="267" r:id="rId14"/>
-    <p:sldId id="268" r:id="rId15"/>
-    <p:sldId id="269" r:id="rId16"/>
-    <p:sldId id="271" r:id="rId17"/>
-    <p:sldId id="272" r:id="rId18"/>
-    <p:sldId id="273" r:id="rId19"/>
-    <p:sldId id="274" r:id="rId20"/>
-    <p:sldId id="276" r:id="rId21"/>
-    <p:sldId id="277" r:id="rId22"/>
-    <p:sldId id="278" r:id="rId23"/>
-    <p:sldId id="279" r:id="rId24"/>
-    <p:sldId id="280" r:id="rId25"/>
-    <p:sldId id="281" r:id="rId26"/>
-    <p:sldId id="282" r:id="rId27"/>
-    <p:sldId id="283" r:id="rId28"/>
-    <p:sldId id="284" r:id="rId29"/>
-    <p:sldId id="285" r:id="rId30"/>
+    <p:sldId id="256" r:id="rId2"/>
+    <p:sldId id="257" r:id="rId3"/>
+    <p:sldId id="258" r:id="rId4"/>
+    <p:sldId id="259" r:id="rId5"/>
+    <p:sldId id="260" r:id="rId6"/>
+    <p:sldId id="261" r:id="rId7"/>
+    <p:sldId id="262" r:id="rId8"/>
+    <p:sldId id="263" r:id="rId9"/>
+    <p:sldId id="264" r:id="rId10"/>
+    <p:sldId id="265" r:id="rId11"/>
+    <p:sldId id="266" r:id="rId12"/>
+    <p:sldId id="267" r:id="rId13"/>
+    <p:sldId id="268" r:id="rId14"/>
+    <p:sldId id="269" r:id="rId15"/>
+    <p:sldId id="271" r:id="rId16"/>
+    <p:sldId id="272" r:id="rId17"/>
+    <p:sldId id="273" r:id="rId18"/>
+    <p:sldId id="274" r:id="rId19"/>
+    <p:sldId id="276" r:id="rId20"/>
+    <p:sldId id="277" r:id="rId21"/>
+    <p:sldId id="278" r:id="rId22"/>
+    <p:sldId id="279" r:id="rId23"/>
+    <p:sldId id="280" r:id="rId24"/>
+    <p:sldId id="281" r:id="rId25"/>
+    <p:sldId id="282" r:id="rId26"/>
+    <p:sldId id="283" r:id="rId27"/>
+    <p:sldId id="284" r:id="rId28"/>
+    <p:sldId id="285" r:id="rId29"/>
   </p:sldIdLst>
   <p:sldSz cx="9144000" cy="6858000" type="screen4x3"/>
   <p:notesSz cx="6858000" cy="9144000"/>
   <p:custDataLst>
-    <p:tags r:id="rId34"/>
+    <p:tags r:id="rId30"/>
   </p:custDataLst>
   <p:defaultTextStyle>
     <a:defPPr>
@@ -155,7 +155,7 @@
 
 <file path=ppt/slideLayouts/slideLayout1.xml><?xml version="1.0" encoding="utf-8"?>
 <p:sldLayout xmlns:a="http://schemas.openxmlformats.org/drawingml/2006/main" xmlns:r="http://schemas.openxmlformats.org/officeDocument/2006/relationships" xmlns:p="http://schemas.openxmlformats.org/presentationml/2006/main" type="title" preserve="1">
-  <p:cSld name="Title Slide">
+  <p:cSld name="标题幻灯片">
     <p:spTree>
       <p:nvGrpSpPr>
         <p:cNvPr id="1" name=""/>
@@ -182,19 +182,25 @@
         </p:nvSpPr>
         <p:spPr>
           <a:xfrm>
-            <a:off x="685800" y="2130425"/>
-            <a:ext cx="7772400" cy="1470025"/>
+            <a:off x="1143000" y="1124530"/>
+            <a:ext cx="6858000" cy="2387600"/>
           </a:xfrm>
         </p:spPr>
         <p:txBody>
-          <a:bodyPr/>
-          <a:lstStyle/>
-          <a:p>
-            <a:r>
-              <a:rPr lang="en-US"/>
-              <a:t>Click to edit Master title style</a:t>
-            </a:r>
-            <a:endParaRPr lang="en-US"/>
+          <a:bodyPr anchor="b">
+            <a:normAutofit/>
+          </a:bodyPr>
+          <a:lstStyle>
+            <a:lvl1pPr algn="ctr">
+              <a:defRPr sz="4500"/>
+            </a:lvl1pPr>
+          </a:lstStyle>
+          <a:p>
+            <a:r>
+              <a:rPr lang="zh-CN" altLang="en-US" smtClean="0"/>
+              <a:t>单击此处编辑母版标题样式</a:t>
+            </a:r>
+            <a:endParaRPr lang="en-US" dirty="0"/>
           </a:p>
         </p:txBody>
       </p:sp>
@@ -210,110 +216,65 @@
         </p:nvSpPr>
         <p:spPr>
           <a:xfrm>
-            <a:off x="1371600" y="3886200"/>
-            <a:ext cx="6400800" cy="1752600"/>
+            <a:off x="1143000" y="3602038"/>
+            <a:ext cx="6858000" cy="1655762"/>
           </a:xfrm>
         </p:spPr>
         <p:txBody>
-          <a:bodyPr/>
+          <a:bodyPr>
+            <a:normAutofit/>
+          </a:bodyPr>
           <a:lstStyle>
             <a:lvl1pPr marL="0" indent="0" algn="ctr">
               <a:buNone/>
-              <a:defRPr>
+              <a:defRPr sz="1800">
                 <a:solidFill>
                   <a:schemeClr val="tx1">
-                    <a:tint val="75000"/>
+                    <a:lumMod val="75000"/>
+                    <a:lumOff val="25000"/>
                   </a:schemeClr>
                 </a:solidFill>
               </a:defRPr>
             </a:lvl1pPr>
-            <a:lvl2pPr marL="457200" indent="0" algn="ctr">
-              <a:buNone/>
-              <a:defRPr>
-                <a:solidFill>
-                  <a:schemeClr val="tx1">
-                    <a:tint val="75000"/>
-                  </a:schemeClr>
-                </a:solidFill>
-              </a:defRPr>
+            <a:lvl2pPr marL="342900" indent="0" algn="ctr">
+              <a:buNone/>
+              <a:defRPr sz="2100"/>
             </a:lvl2pPr>
-            <a:lvl3pPr marL="914400" indent="0" algn="ctr">
-              <a:buNone/>
-              <a:defRPr>
-                <a:solidFill>
-                  <a:schemeClr val="tx1">
-                    <a:tint val="75000"/>
-                  </a:schemeClr>
-                </a:solidFill>
-              </a:defRPr>
+            <a:lvl3pPr marL="685800" indent="0" algn="ctr">
+              <a:buNone/>
+              <a:defRPr sz="1800"/>
             </a:lvl3pPr>
-            <a:lvl4pPr marL="1371600" indent="0" algn="ctr">
-              <a:buNone/>
-              <a:defRPr>
-                <a:solidFill>
-                  <a:schemeClr val="tx1">
-                    <a:tint val="75000"/>
-                  </a:schemeClr>
-                </a:solidFill>
-              </a:defRPr>
+            <a:lvl4pPr marL="1028700" indent="0" algn="ctr">
+              <a:buNone/>
+              <a:defRPr sz="1500"/>
             </a:lvl4pPr>
-            <a:lvl5pPr marL="1828800" indent="0" algn="ctr">
-              <a:buNone/>
-              <a:defRPr>
-                <a:solidFill>
-                  <a:schemeClr val="tx1">
-                    <a:tint val="75000"/>
-                  </a:schemeClr>
-                </a:solidFill>
-              </a:defRPr>
+            <a:lvl5pPr marL="1371600" indent="0" algn="ctr">
+              <a:buNone/>
+              <a:defRPr sz="1500"/>
             </a:lvl5pPr>
-            <a:lvl6pPr marL="2286000" indent="0" algn="ctr">
-              <a:buNone/>
-              <a:defRPr>
-                <a:solidFill>
-                  <a:schemeClr val="tx1">
-                    <a:tint val="75000"/>
-                  </a:schemeClr>
-                </a:solidFill>
-              </a:defRPr>
+            <a:lvl6pPr marL="1714500" indent="0" algn="ctr">
+              <a:buNone/>
+              <a:defRPr sz="1500"/>
             </a:lvl6pPr>
-            <a:lvl7pPr marL="2743200" indent="0" algn="ctr">
-              <a:buNone/>
-              <a:defRPr>
-                <a:solidFill>
-                  <a:schemeClr val="tx1">
-                    <a:tint val="75000"/>
-                  </a:schemeClr>
-                </a:solidFill>
-              </a:defRPr>
+            <a:lvl7pPr marL="2057400" indent="0" algn="ctr">
+              <a:buNone/>
+              <a:defRPr sz="1500"/>
             </a:lvl7pPr>
-            <a:lvl8pPr marL="3200400" indent="0" algn="ctr">
-              <a:buNone/>
-              <a:defRPr>
-                <a:solidFill>
-                  <a:schemeClr val="tx1">
-                    <a:tint val="75000"/>
-                  </a:schemeClr>
-                </a:solidFill>
-              </a:defRPr>
+            <a:lvl8pPr marL="2400300" indent="0" algn="ctr">
+              <a:buNone/>
+              <a:defRPr sz="1500"/>
             </a:lvl8pPr>
-            <a:lvl9pPr marL="3657600" indent="0" algn="ctr">
-              <a:buNone/>
-              <a:defRPr>
-                <a:solidFill>
-                  <a:schemeClr val="tx1">
-                    <a:tint val="75000"/>
-                  </a:schemeClr>
-                </a:solidFill>
-              </a:defRPr>
+            <a:lvl9pPr marL="2743200" indent="0" algn="ctr">
+              <a:buNone/>
+              <a:defRPr sz="1500"/>
             </a:lvl9pPr>
           </a:lstStyle>
           <a:p>
             <a:r>
-              <a:rPr lang="en-US"/>
-              <a:t>Click to edit Master subtitle style</a:t>
-            </a:r>
-            <a:endParaRPr lang="en-US"/>
+              <a:rPr lang="zh-CN" altLang="en-US" smtClean="0"/>
+              <a:t>单击以编辑母版副标题样式</a:t>
+            </a:r>
+            <a:endParaRPr lang="en-US" dirty="0"/>
           </a:p>
         </p:txBody>
       </p:sp>
@@ -334,6 +295,7 @@
           <a:p>
             <a:fld id="{241EB5C9-1307-BA42-ABA2-0BC069CD8E7F}" type="datetimeFigureOut">
               <a:rPr lang="en-US" smtClean="0"/>
+              <a:t>10/2/2023</a:t>
             </a:fld>
             <a:endParaRPr lang="en-US"/>
           </a:p>
@@ -375,12 +337,18 @@
           <a:p>
             <a:fld id="{C5EF2332-01BF-834F-8236-50238282D533}" type="slidenum">
               <a:rPr lang="en-US" smtClean="0"/>
+              <a:t>‹#›</a:t>
             </a:fld>
             <a:endParaRPr lang="en-US"/>
           </a:p>
         </p:txBody>
       </p:sp>
     </p:spTree>
+    <p:extLst>
+      <p:ext uri="{BB962C8B-B14F-4D97-AF65-F5344CB8AC3E}">
+        <p14:creationId xmlns:p14="http://schemas.microsoft.com/office/powerpoint/2010/main" val="1529913228"/>
+      </p:ext>
+    </p:extLst>
   </p:cSld>
   <p:clrMapOvr>
     <a:masterClrMapping/>
@@ -390,7 +358,7 @@
 
 <file path=ppt/slideLayouts/slideLayout10.xml><?xml version="1.0" encoding="utf-8"?>
 <p:sldLayout xmlns:a="http://schemas.openxmlformats.org/drawingml/2006/main" xmlns:r="http://schemas.openxmlformats.org/officeDocument/2006/relationships" xmlns:p="http://schemas.openxmlformats.org/presentationml/2006/main" type="vertTx" preserve="1">
-  <p:cSld name="Title and Vertical Text">
+  <p:cSld name="标题和竖排文字">
     <p:spTree>
       <p:nvGrpSpPr>
         <p:cNvPr id="1" name=""/>
@@ -421,8 +389,8 @@
           <a:lstStyle/>
           <a:p>
             <a:r>
-              <a:rPr lang="en-US"/>
-              <a:t>Click to edit Master title style</a:t>
+              <a:rPr lang="zh-CN" altLang="en-US" smtClean="0"/>
+              <a:t>单击此处编辑母版标题样式</a:t>
             </a:r>
             <a:endParaRPr lang="en-US"/>
           </a:p>
@@ -445,42 +413,38 @@
           <a:p>
             <a:pPr lvl="0"/>
             <a:r>
-              <a:rPr lang="en-US"/>
-              <a:t>Click to edit Master text styles</a:t>
-            </a:r>
-            <a:endParaRPr lang="en-US"/>
+              <a:rPr lang="zh-CN" altLang="en-US" smtClean="0"/>
+              <a:t>编辑母版文本样式</a:t>
+            </a:r>
           </a:p>
           <a:p>
             <a:pPr lvl="1"/>
             <a:r>
-              <a:rPr lang="en-US"/>
-              <a:t>Second level</a:t>
-            </a:r>
-            <a:endParaRPr lang="en-US"/>
+              <a:rPr lang="zh-CN" altLang="en-US" smtClean="0"/>
+              <a:t>第二级</a:t>
+            </a:r>
           </a:p>
           <a:p>
             <a:pPr lvl="2"/>
             <a:r>
-              <a:rPr lang="en-US"/>
-              <a:t>Third level</a:t>
-            </a:r>
-            <a:endParaRPr lang="en-US"/>
+              <a:rPr lang="zh-CN" altLang="en-US" smtClean="0"/>
+              <a:t>第三级</a:t>
+            </a:r>
           </a:p>
           <a:p>
             <a:pPr lvl="3"/>
             <a:r>
-              <a:rPr lang="en-US"/>
-              <a:t>Fourth level</a:t>
-            </a:r>
-            <a:endParaRPr lang="en-US"/>
+              <a:rPr lang="zh-CN" altLang="en-US" smtClean="0"/>
+              <a:t>第四级</a:t>
+            </a:r>
           </a:p>
           <a:p>
             <a:pPr lvl="4"/>
             <a:r>
-              <a:rPr lang="en-US"/>
-              <a:t>Fifth level</a:t>
-            </a:r>
-            <a:endParaRPr lang="en-US"/>
+              <a:rPr lang="zh-CN" altLang="en-US" smtClean="0"/>
+              <a:t>第五级</a:t>
+            </a:r>
+            <a:endParaRPr lang="en-US" dirty="0"/>
           </a:p>
         </p:txBody>
       </p:sp>
@@ -501,6 +465,7 @@
           <a:p>
             <a:fld id="{241EB5C9-1307-BA42-ABA2-0BC069CD8E7F}" type="datetimeFigureOut">
               <a:rPr lang="en-US" smtClean="0"/>
+              <a:t>10/2/2023</a:t>
             </a:fld>
             <a:endParaRPr lang="en-US"/>
           </a:p>
@@ -542,12 +507,18 @@
           <a:p>
             <a:fld id="{C5EF2332-01BF-834F-8236-50238282D533}" type="slidenum">
               <a:rPr lang="en-US" smtClean="0"/>
+              <a:t>‹#›</a:t>
             </a:fld>
             <a:endParaRPr lang="en-US"/>
           </a:p>
         </p:txBody>
       </p:sp>
     </p:spTree>
+    <p:extLst>
+      <p:ext uri="{BB962C8B-B14F-4D97-AF65-F5344CB8AC3E}">
+        <p14:creationId xmlns:p14="http://schemas.microsoft.com/office/powerpoint/2010/main" val="3491290998"/>
+      </p:ext>
+    </p:extLst>
   </p:cSld>
   <p:clrMapOvr>
     <a:masterClrMapping/>
@@ -557,7 +528,7 @@
 
 <file path=ppt/slideLayouts/slideLayout11.xml><?xml version="1.0" encoding="utf-8"?>
 <p:sldLayout xmlns:a="http://schemas.openxmlformats.org/drawingml/2006/main" xmlns:r="http://schemas.openxmlformats.org/officeDocument/2006/relationships" xmlns:p="http://schemas.openxmlformats.org/presentationml/2006/main" type="vertTitleAndTx" preserve="1">
-  <p:cSld name="Vertical Title and Text">
+  <p:cSld name="竖排标题与文本">
     <p:spTree>
       <p:nvGrpSpPr>
         <p:cNvPr id="1" name=""/>
@@ -584,8 +555,8 @@
         </p:nvSpPr>
         <p:spPr>
           <a:xfrm>
-            <a:off x="6629400" y="274639"/>
-            <a:ext cx="2057400" cy="5851525"/>
+            <a:off x="6543675" y="360362"/>
+            <a:ext cx="1971675" cy="5811838"/>
           </a:xfrm>
         </p:spPr>
         <p:txBody>
@@ -593,8 +564,8 @@
           <a:lstStyle/>
           <a:p>
             <a:r>
-              <a:rPr lang="en-US"/>
-              <a:t>Click to edit Master title style</a:t>
+              <a:rPr lang="zh-CN" altLang="en-US" smtClean="0"/>
+              <a:t>单击此处编辑母版标题样式</a:t>
             </a:r>
             <a:endParaRPr lang="en-US"/>
           </a:p>
@@ -612,8 +583,8 @@
         </p:nvSpPr>
         <p:spPr>
           <a:xfrm>
-            <a:off x="457200" y="274639"/>
-            <a:ext cx="6019800" cy="5851525"/>
+            <a:off x="628650" y="360363"/>
+            <a:ext cx="5800725" cy="5811837"/>
           </a:xfrm>
         </p:spPr>
         <p:txBody>
@@ -622,40 +593,36 @@
           <a:p>
             <a:pPr lvl="0"/>
             <a:r>
-              <a:rPr lang="en-US"/>
-              <a:t>Click to edit Master text styles</a:t>
-            </a:r>
-            <a:endParaRPr lang="en-US"/>
+              <a:rPr lang="zh-CN" altLang="en-US" smtClean="0"/>
+              <a:t>编辑母版文本样式</a:t>
+            </a:r>
           </a:p>
           <a:p>
             <a:pPr lvl="1"/>
             <a:r>
-              <a:rPr lang="en-US"/>
-              <a:t>Second level</a:t>
-            </a:r>
-            <a:endParaRPr lang="en-US"/>
+              <a:rPr lang="zh-CN" altLang="en-US" smtClean="0"/>
+              <a:t>第二级</a:t>
+            </a:r>
           </a:p>
           <a:p>
             <a:pPr lvl="2"/>
             <a:r>
-              <a:rPr lang="en-US"/>
-              <a:t>Third level</a:t>
-            </a:r>
-            <a:endParaRPr lang="en-US"/>
+              <a:rPr lang="zh-CN" altLang="en-US" smtClean="0"/>
+              <a:t>第三级</a:t>
+            </a:r>
           </a:p>
           <a:p>
             <a:pPr lvl="3"/>
             <a:r>
-              <a:rPr lang="en-US"/>
-              <a:t>Fourth level</a:t>
-            </a:r>
-            <a:endParaRPr lang="en-US"/>
+              <a:rPr lang="zh-CN" altLang="en-US" smtClean="0"/>
+              <a:t>第四级</a:t>
+            </a:r>
           </a:p>
           <a:p>
             <a:pPr lvl="4"/>
             <a:r>
-              <a:rPr lang="en-US"/>
-              <a:t>Fifth level</a:t>
+              <a:rPr lang="zh-CN" altLang="en-US" smtClean="0"/>
+              <a:t>第五级</a:t>
             </a:r>
             <a:endParaRPr lang="en-US"/>
           </a:p>
@@ -678,6 +645,7 @@
           <a:p>
             <a:fld id="{241EB5C9-1307-BA42-ABA2-0BC069CD8E7F}" type="datetimeFigureOut">
               <a:rPr lang="en-US" smtClean="0"/>
+              <a:t>10/2/2023</a:t>
             </a:fld>
             <a:endParaRPr lang="en-US"/>
           </a:p>
@@ -719,12 +687,18 @@
           <a:p>
             <a:fld id="{C5EF2332-01BF-834F-8236-50238282D533}" type="slidenum">
               <a:rPr lang="en-US" smtClean="0"/>
+              <a:t>‹#›</a:t>
             </a:fld>
             <a:endParaRPr lang="en-US"/>
           </a:p>
         </p:txBody>
       </p:sp>
     </p:spTree>
+    <p:extLst>
+      <p:ext uri="{BB962C8B-B14F-4D97-AF65-F5344CB8AC3E}">
+        <p14:creationId xmlns:p14="http://schemas.microsoft.com/office/powerpoint/2010/main" val="1479099337"/>
+      </p:ext>
+    </p:extLst>
   </p:cSld>
   <p:clrMapOvr>
     <a:masterClrMapping/>
@@ -734,7 +708,7 @@
 
 <file path=ppt/slideLayouts/slideLayout2.xml><?xml version="1.0" encoding="utf-8"?>
 <p:sldLayout xmlns:a="http://schemas.openxmlformats.org/drawingml/2006/main" xmlns:r="http://schemas.openxmlformats.org/officeDocument/2006/relationships" xmlns:p="http://schemas.openxmlformats.org/presentationml/2006/main" type="obj" preserve="1">
-  <p:cSld name="Title and Content">
+  <p:cSld name="标题和内容">
     <p:spTree>
       <p:nvGrpSpPr>
         <p:cNvPr id="1" name=""/>
@@ -765,10 +739,10 @@
           <a:lstStyle/>
           <a:p>
             <a:r>
-              <a:rPr lang="en-US"/>
-              <a:t>Click to edit Master title style</a:t>
-            </a:r>
-            <a:endParaRPr lang="en-US"/>
+              <a:rPr lang="zh-CN" altLang="en-US" smtClean="0"/>
+              <a:t>单击此处编辑母版标题样式</a:t>
+            </a:r>
+            <a:endParaRPr lang="en-US" dirty="0"/>
           </a:p>
         </p:txBody>
       </p:sp>
@@ -789,42 +763,38 @@
           <a:p>
             <a:pPr lvl="0"/>
             <a:r>
-              <a:rPr lang="en-US"/>
-              <a:t>Click to edit Master text styles</a:t>
-            </a:r>
-            <a:endParaRPr lang="en-US"/>
+              <a:rPr lang="zh-CN" altLang="en-US" smtClean="0"/>
+              <a:t>编辑母版文本样式</a:t>
+            </a:r>
           </a:p>
           <a:p>
             <a:pPr lvl="1"/>
             <a:r>
-              <a:rPr lang="en-US"/>
-              <a:t>Second level</a:t>
-            </a:r>
-            <a:endParaRPr lang="en-US"/>
+              <a:rPr lang="zh-CN" altLang="en-US" smtClean="0"/>
+              <a:t>第二级</a:t>
+            </a:r>
           </a:p>
           <a:p>
             <a:pPr lvl="2"/>
             <a:r>
-              <a:rPr lang="en-US"/>
-              <a:t>Third level</a:t>
-            </a:r>
-            <a:endParaRPr lang="en-US"/>
+              <a:rPr lang="zh-CN" altLang="en-US" smtClean="0"/>
+              <a:t>第三级</a:t>
+            </a:r>
           </a:p>
           <a:p>
             <a:pPr lvl="3"/>
             <a:r>
-              <a:rPr lang="en-US"/>
-              <a:t>Fourth level</a:t>
-            </a:r>
-            <a:endParaRPr lang="en-US"/>
+              <a:rPr lang="zh-CN" altLang="en-US" smtClean="0"/>
+              <a:t>第四级</a:t>
+            </a:r>
           </a:p>
           <a:p>
             <a:pPr lvl="4"/>
             <a:r>
-              <a:rPr lang="en-US"/>
-              <a:t>Fifth level</a:t>
-            </a:r>
-            <a:endParaRPr lang="en-US"/>
+              <a:rPr lang="zh-CN" altLang="en-US" smtClean="0"/>
+              <a:t>第五级</a:t>
+            </a:r>
+            <a:endParaRPr lang="en-US" dirty="0"/>
           </a:p>
         </p:txBody>
       </p:sp>
@@ -845,6 +815,7 @@
           <a:p>
             <a:fld id="{241EB5C9-1307-BA42-ABA2-0BC069CD8E7F}" type="datetimeFigureOut">
               <a:rPr lang="en-US" smtClean="0"/>
+              <a:t>10/2/2023</a:t>
             </a:fld>
             <a:endParaRPr lang="en-US"/>
           </a:p>
@@ -886,12 +857,18 @@
           <a:p>
             <a:fld id="{C5EF2332-01BF-834F-8236-50238282D533}" type="slidenum">
               <a:rPr lang="en-US" smtClean="0"/>
+              <a:t>‹#›</a:t>
             </a:fld>
             <a:endParaRPr lang="en-US"/>
           </a:p>
         </p:txBody>
       </p:sp>
     </p:spTree>
+    <p:extLst>
+      <p:ext uri="{BB962C8B-B14F-4D97-AF65-F5344CB8AC3E}">
+        <p14:creationId xmlns:p14="http://schemas.microsoft.com/office/powerpoint/2010/main" val="2988080244"/>
+      </p:ext>
+    </p:extLst>
   </p:cSld>
   <p:clrMapOvr>
     <a:masterClrMapping/>
@@ -901,7 +878,7 @@
 
 <file path=ppt/slideLayouts/slideLayout3.xml><?xml version="1.0" encoding="utf-8"?>
 <p:sldLayout xmlns:a="http://schemas.openxmlformats.org/drawingml/2006/main" xmlns:r="http://schemas.openxmlformats.org/officeDocument/2006/relationships" xmlns:p="http://schemas.openxmlformats.org/presentationml/2006/main" type="secHead" preserve="1">
-  <p:cSld name="Section Header">
+  <p:cSld name="节标题">
     <p:spTree>
       <p:nvGrpSpPr>
         <p:cNvPr id="1" name=""/>
@@ -928,23 +905,25 @@
         </p:nvSpPr>
         <p:spPr>
           <a:xfrm>
-            <a:off x="722313" y="4406901"/>
-            <a:ext cx="7772400" cy="1362075"/>
+            <a:off x="623888" y="1712423"/>
+            <a:ext cx="7886700" cy="2851208"/>
           </a:xfrm>
         </p:spPr>
         <p:txBody>
-          <a:bodyPr anchor="t"/>
+          <a:bodyPr anchor="b">
+            <a:normAutofit/>
+          </a:bodyPr>
           <a:lstStyle>
-            <a:lvl1pPr algn="l">
-              <a:defRPr sz="4000" b="1" cap="all"/>
+            <a:lvl1pPr>
+              <a:defRPr sz="4500" b="0"/>
             </a:lvl1pPr>
           </a:lstStyle>
           <a:p>
             <a:r>
-              <a:rPr lang="en-US"/>
-              <a:t>Click to edit Master title style</a:t>
-            </a:r>
-            <a:endParaRPr lang="en-US"/>
+              <a:rPr lang="zh-CN" altLang="en-US" smtClean="0"/>
+              <a:t>单击此处编辑母版标题样式</a:t>
+            </a:r>
+            <a:endParaRPr lang="en-US" dirty="0"/>
           </a:p>
         </p:txBody>
       </p:sp>
@@ -960,111 +939,113 @@
         </p:nvSpPr>
         <p:spPr>
           <a:xfrm>
-            <a:off x="722313" y="2906713"/>
-            <a:ext cx="7772400" cy="1500187"/>
+            <a:off x="623888" y="4552634"/>
+            <a:ext cx="7886700" cy="1500187"/>
           </a:xfrm>
         </p:spPr>
         <p:txBody>
-          <a:bodyPr anchor="b"/>
+          <a:bodyPr anchor="t">
+            <a:normAutofit/>
+          </a:bodyPr>
           <a:lstStyle>
             <a:lvl1pPr marL="0" indent="0">
               <a:buNone/>
-              <a:defRPr sz="2000">
+              <a:defRPr sz="1800">
+                <a:solidFill>
+                  <a:schemeClr val="tx1">
+                    <a:lumMod val="75000"/>
+                    <a:lumOff val="25000"/>
+                  </a:schemeClr>
+                </a:solidFill>
+              </a:defRPr>
+            </a:lvl1pPr>
+            <a:lvl2pPr marL="342900" indent="0">
+              <a:buNone/>
+              <a:defRPr sz="1350">
                 <a:solidFill>
                   <a:schemeClr val="tx1">
                     <a:tint val="75000"/>
                   </a:schemeClr>
                 </a:solidFill>
               </a:defRPr>
-            </a:lvl1pPr>
-            <a:lvl2pPr marL="457200" indent="0">
-              <a:buNone/>
-              <a:defRPr sz="1800">
+            </a:lvl2pPr>
+            <a:lvl3pPr marL="685800" indent="0">
+              <a:buNone/>
+              <a:defRPr sz="1200">
                 <a:solidFill>
                   <a:schemeClr val="tx1">
                     <a:tint val="75000"/>
                   </a:schemeClr>
                 </a:solidFill>
               </a:defRPr>
-            </a:lvl2pPr>
-            <a:lvl3pPr marL="914400" indent="0">
-              <a:buNone/>
-              <a:defRPr sz="1600">
+            </a:lvl3pPr>
+            <a:lvl4pPr marL="1028700" indent="0">
+              <a:buNone/>
+              <a:defRPr sz="1050">
                 <a:solidFill>
                   <a:schemeClr val="tx1">
                     <a:tint val="75000"/>
                   </a:schemeClr>
                 </a:solidFill>
               </a:defRPr>
-            </a:lvl3pPr>
-            <a:lvl4pPr marL="1371600" indent="0">
-              <a:buNone/>
-              <a:defRPr sz="1400">
+            </a:lvl4pPr>
+            <a:lvl5pPr marL="1371600" indent="0">
+              <a:buNone/>
+              <a:defRPr sz="1050">
                 <a:solidFill>
                   <a:schemeClr val="tx1">
                     <a:tint val="75000"/>
                   </a:schemeClr>
                 </a:solidFill>
               </a:defRPr>
-            </a:lvl4pPr>
-            <a:lvl5pPr marL="1828800" indent="0">
-              <a:buNone/>
-              <a:defRPr sz="1400">
+            </a:lvl5pPr>
+            <a:lvl6pPr marL="1714500" indent="0">
+              <a:buNone/>
+              <a:defRPr sz="1050">
                 <a:solidFill>
                   <a:schemeClr val="tx1">
                     <a:tint val="75000"/>
                   </a:schemeClr>
                 </a:solidFill>
               </a:defRPr>
-            </a:lvl5pPr>
-            <a:lvl6pPr marL="2286000" indent="0">
-              <a:buNone/>
-              <a:defRPr sz="1400">
+            </a:lvl6pPr>
+            <a:lvl7pPr marL="2057400" indent="0">
+              <a:buNone/>
+              <a:defRPr sz="1050">
                 <a:solidFill>
                   <a:schemeClr val="tx1">
                     <a:tint val="75000"/>
                   </a:schemeClr>
                 </a:solidFill>
               </a:defRPr>
-            </a:lvl6pPr>
-            <a:lvl7pPr marL="2743200" indent="0">
-              <a:buNone/>
-              <a:defRPr sz="1400">
+            </a:lvl7pPr>
+            <a:lvl8pPr marL="2400300" indent="0">
+              <a:buNone/>
+              <a:defRPr sz="1050">
                 <a:solidFill>
                   <a:schemeClr val="tx1">
                     <a:tint val="75000"/>
                   </a:schemeClr>
                 </a:solidFill>
               </a:defRPr>
-            </a:lvl7pPr>
-            <a:lvl8pPr marL="3200400" indent="0">
-              <a:buNone/>
-              <a:defRPr sz="1400">
+            </a:lvl8pPr>
+            <a:lvl9pPr marL="2743200" indent="0">
+              <a:buNone/>
+              <a:defRPr sz="1050">
                 <a:solidFill>
                   <a:schemeClr val="tx1">
                     <a:tint val="75000"/>
                   </a:schemeClr>
                 </a:solidFill>
               </a:defRPr>
-            </a:lvl8pPr>
-            <a:lvl9pPr marL="3657600" indent="0">
-              <a:buNone/>
-              <a:defRPr sz="1400">
-                <a:solidFill>
-                  <a:schemeClr val="tx1">
-                    <a:tint val="75000"/>
-                  </a:schemeClr>
-                </a:solidFill>
-              </a:defRPr>
             </a:lvl9pPr>
           </a:lstStyle>
           <a:p>
             <a:pPr lvl="0"/>
             <a:r>
-              <a:rPr lang="en-US"/>
-              <a:t>Click to edit Master text styles</a:t>
-            </a:r>
-            <a:endParaRPr lang="en-US"/>
+              <a:rPr lang="zh-CN" altLang="en-US" smtClean="0"/>
+              <a:t>编辑母版文本样式</a:t>
+            </a:r>
           </a:p>
         </p:txBody>
       </p:sp>
@@ -1085,6 +1066,7 @@
           <a:p>
             <a:fld id="{241EB5C9-1307-BA42-ABA2-0BC069CD8E7F}" type="datetimeFigureOut">
               <a:rPr lang="en-US" smtClean="0"/>
+              <a:t>10/2/2023</a:t>
             </a:fld>
             <a:endParaRPr lang="en-US"/>
           </a:p>
@@ -1126,12 +1108,18 @@
           <a:p>
             <a:fld id="{C5EF2332-01BF-834F-8236-50238282D533}" type="slidenum">
               <a:rPr lang="en-US" smtClean="0"/>
+              <a:t>‹#›</a:t>
             </a:fld>
             <a:endParaRPr lang="en-US"/>
           </a:p>
         </p:txBody>
       </p:sp>
     </p:spTree>
+    <p:extLst>
+      <p:ext uri="{BB962C8B-B14F-4D97-AF65-F5344CB8AC3E}">
+        <p14:creationId xmlns:p14="http://schemas.microsoft.com/office/powerpoint/2010/main" val="3758739716"/>
+      </p:ext>
+    </p:extLst>
   </p:cSld>
   <p:clrMapOvr>
     <a:masterClrMapping/>
@@ -1141,7 +1129,7 @@
 
 <file path=ppt/slideLayouts/slideLayout4.xml><?xml version="1.0" encoding="utf-8"?>
 <p:sldLayout xmlns:a="http://schemas.openxmlformats.org/drawingml/2006/main" xmlns:r="http://schemas.openxmlformats.org/officeDocument/2006/relationships" xmlns:p="http://schemas.openxmlformats.org/presentationml/2006/main" type="twoObj" preserve="1">
-  <p:cSld name="Two Content">
+  <p:cSld name="两栏内容">
     <p:spTree>
       <p:nvGrpSpPr>
         <p:cNvPr id="1" name=""/>
@@ -1172,10 +1160,10 @@
           <a:lstStyle/>
           <a:p>
             <a:r>
-              <a:rPr lang="en-US"/>
-              <a:t>Click to edit Master title style</a:t>
-            </a:r>
-            <a:endParaRPr lang="en-US"/>
+              <a:rPr lang="zh-CN" altLang="en-US" smtClean="0"/>
+              <a:t>单击此处编辑母版标题样式</a:t>
+            </a:r>
+            <a:endParaRPr lang="en-US" dirty="0"/>
           </a:p>
         </p:txBody>
       </p:sp>
@@ -1191,80 +1179,48 @@
         </p:nvSpPr>
         <p:spPr>
           <a:xfrm>
-            <a:off x="457200" y="1600201"/>
-            <a:ext cx="4038600" cy="4525963"/>
+            <a:off x="633845" y="1828801"/>
+            <a:ext cx="3886200" cy="4351337"/>
           </a:xfrm>
         </p:spPr>
         <p:txBody>
           <a:bodyPr/>
-          <a:lstStyle>
-            <a:lvl1pPr>
-              <a:defRPr sz="2800"/>
-            </a:lvl1pPr>
-            <a:lvl2pPr>
-              <a:defRPr sz="2400"/>
-            </a:lvl2pPr>
-            <a:lvl3pPr>
-              <a:defRPr sz="2000"/>
-            </a:lvl3pPr>
-            <a:lvl4pPr>
-              <a:defRPr sz="1800"/>
-            </a:lvl4pPr>
-            <a:lvl5pPr>
-              <a:defRPr sz="1800"/>
-            </a:lvl5pPr>
-            <a:lvl6pPr>
-              <a:defRPr sz="1800"/>
-            </a:lvl6pPr>
-            <a:lvl7pPr>
-              <a:defRPr sz="1800"/>
-            </a:lvl7pPr>
-            <a:lvl8pPr>
-              <a:defRPr sz="1800"/>
-            </a:lvl8pPr>
-            <a:lvl9pPr>
-              <a:defRPr sz="1800"/>
-            </a:lvl9pPr>
-          </a:lstStyle>
+          <a:lstStyle/>
           <a:p>
             <a:pPr lvl="0"/>
             <a:r>
-              <a:rPr lang="en-US"/>
-              <a:t>Click to edit Master text styles</a:t>
-            </a:r>
-            <a:endParaRPr lang="en-US"/>
+              <a:rPr lang="zh-CN" altLang="en-US" smtClean="0"/>
+              <a:t>编辑母版文本样式</a:t>
+            </a:r>
           </a:p>
           <a:p>
             <a:pPr lvl="1"/>
             <a:r>
-              <a:rPr lang="en-US"/>
-              <a:t>Second level</a:t>
-            </a:r>
-            <a:endParaRPr lang="en-US"/>
+              <a:rPr lang="zh-CN" altLang="en-US" smtClean="0"/>
+              <a:t>第二级</a:t>
+            </a:r>
           </a:p>
           <a:p>
             <a:pPr lvl="2"/>
             <a:r>
-              <a:rPr lang="en-US"/>
-              <a:t>Third level</a:t>
-            </a:r>
-            <a:endParaRPr lang="en-US"/>
+              <a:rPr lang="zh-CN" altLang="en-US" smtClean="0"/>
+              <a:t>第三级</a:t>
+            </a:r>
           </a:p>
           <a:p>
             <a:pPr lvl="3"/>
             <a:r>
-              <a:rPr lang="en-US"/>
-              <a:t>Fourth level</a:t>
-            </a:r>
-            <a:endParaRPr lang="en-US"/>
+              <a:rPr lang="zh-CN" altLang="en-US" smtClean="0"/>
+              <a:t>第四级</a:t>
+            </a:r>
           </a:p>
           <a:p>
             <a:pPr lvl="4"/>
             <a:r>
-              <a:rPr lang="en-US"/>
-              <a:t>Fifth level</a:t>
-            </a:r>
-            <a:endParaRPr lang="en-US"/>
+              <a:rPr lang="zh-CN" altLang="en-US" smtClean="0"/>
+              <a:t>第五级</a:t>
+            </a:r>
+            <a:endParaRPr lang="en-US" dirty="0"/>
           </a:p>
         </p:txBody>
       </p:sp>
@@ -1280,80 +1236,48 @@
         </p:nvSpPr>
         <p:spPr>
           <a:xfrm>
-            <a:off x="4648200" y="1600201"/>
-            <a:ext cx="4038600" cy="4525963"/>
+            <a:off x="4629150" y="1828801"/>
+            <a:ext cx="3886200" cy="4351337"/>
           </a:xfrm>
         </p:spPr>
         <p:txBody>
           <a:bodyPr/>
-          <a:lstStyle>
-            <a:lvl1pPr>
-              <a:defRPr sz="2800"/>
-            </a:lvl1pPr>
-            <a:lvl2pPr>
-              <a:defRPr sz="2400"/>
-            </a:lvl2pPr>
-            <a:lvl3pPr>
-              <a:defRPr sz="2000"/>
-            </a:lvl3pPr>
-            <a:lvl4pPr>
-              <a:defRPr sz="1800"/>
-            </a:lvl4pPr>
-            <a:lvl5pPr>
-              <a:defRPr sz="1800"/>
-            </a:lvl5pPr>
-            <a:lvl6pPr>
-              <a:defRPr sz="1800"/>
-            </a:lvl6pPr>
-            <a:lvl7pPr>
-              <a:defRPr sz="1800"/>
-            </a:lvl7pPr>
-            <a:lvl8pPr>
-              <a:defRPr sz="1800"/>
-            </a:lvl8pPr>
-            <a:lvl9pPr>
-              <a:defRPr sz="1800"/>
-            </a:lvl9pPr>
-          </a:lstStyle>
+          <a:lstStyle/>
           <a:p>
             <a:pPr lvl="0"/>
             <a:r>
-              <a:rPr lang="en-US"/>
-              <a:t>Click to edit Master text styles</a:t>
-            </a:r>
-            <a:endParaRPr lang="en-US"/>
+              <a:rPr lang="zh-CN" altLang="en-US" smtClean="0"/>
+              <a:t>编辑母版文本样式</a:t>
+            </a:r>
           </a:p>
           <a:p>
             <a:pPr lvl="1"/>
             <a:r>
-              <a:rPr lang="en-US"/>
-              <a:t>Second level</a:t>
-            </a:r>
-            <a:endParaRPr lang="en-US"/>
+              <a:rPr lang="zh-CN" altLang="en-US" smtClean="0"/>
+              <a:t>第二级</a:t>
+            </a:r>
           </a:p>
           <a:p>
             <a:pPr lvl="2"/>
             <a:r>
-              <a:rPr lang="en-US"/>
-              <a:t>Third level</a:t>
-            </a:r>
-            <a:endParaRPr lang="en-US"/>
+              <a:rPr lang="zh-CN" altLang="en-US" smtClean="0"/>
+              <a:t>第三级</a:t>
+            </a:r>
           </a:p>
           <a:p>
             <a:pPr lvl="3"/>
             <a:r>
-              <a:rPr lang="en-US"/>
-              <a:t>Fourth level</a:t>
-            </a:r>
-            <a:endParaRPr lang="en-US"/>
+              <a:rPr lang="zh-CN" altLang="en-US" smtClean="0"/>
+              <a:t>第四级</a:t>
+            </a:r>
           </a:p>
           <a:p>
             <a:pPr lvl="4"/>
             <a:r>
-              <a:rPr lang="en-US"/>
-              <a:t>Fifth level</a:t>
-            </a:r>
-            <a:endParaRPr lang="en-US"/>
+              <a:rPr lang="zh-CN" altLang="en-US" smtClean="0"/>
+              <a:t>第五级</a:t>
+            </a:r>
+            <a:endParaRPr lang="en-US" dirty="0"/>
           </a:p>
         </p:txBody>
       </p:sp>
@@ -1374,6 +1298,7 @@
           <a:p>
             <a:fld id="{241EB5C9-1307-BA42-ABA2-0BC069CD8E7F}" type="datetimeFigureOut">
               <a:rPr lang="en-US" smtClean="0"/>
+              <a:t>10/2/2023</a:t>
             </a:fld>
             <a:endParaRPr lang="en-US"/>
           </a:p>
@@ -1415,12 +1340,18 @@
           <a:p>
             <a:fld id="{C5EF2332-01BF-834F-8236-50238282D533}" type="slidenum">
               <a:rPr lang="en-US" smtClean="0"/>
+              <a:t>‹#›</a:t>
             </a:fld>
             <a:endParaRPr lang="en-US"/>
           </a:p>
         </p:txBody>
       </p:sp>
     </p:spTree>
+    <p:extLst>
+      <p:ext uri="{BB962C8B-B14F-4D97-AF65-F5344CB8AC3E}">
+        <p14:creationId xmlns:p14="http://schemas.microsoft.com/office/powerpoint/2010/main" val="311288678"/>
+      </p:ext>
+    </p:extLst>
   </p:cSld>
   <p:clrMapOvr>
     <a:masterClrMapping/>
@@ -1429,8 +1360,8 @@
 </file>
 
 <file path=ppt/slideLayouts/slideLayout5.xml><?xml version="1.0" encoding="utf-8"?>
-<p:sldLayout xmlns:a="http://schemas.openxmlformats.org/drawingml/2006/main" xmlns:r="http://schemas.openxmlformats.org/officeDocument/2006/relationships" xmlns:p="http://schemas.openxmlformats.org/presentationml/2006/main" type="twoTxTwoObj" preserve="1">
-  <p:cSld name="Comparison">
+<p:sldLayout xmlns:a="http://schemas.openxmlformats.org/drawingml/2006/main" xmlns:r="http://schemas.openxmlformats.org/officeDocument/2006/relationships" xmlns:p="http://schemas.openxmlformats.org/presentationml/2006/main" preserve="1">
+  <p:cSld name="比较">
     <p:spTree>
       <p:nvGrpSpPr>
         <p:cNvPr id="1" name=""/>
@@ -1447,33 +1378,6 @@
       </p:grpSpPr>
       <p:sp>
         <p:nvSpPr>
-          <p:cNvPr id="2" name="Title 1"/>
-          <p:cNvSpPr>
-            <a:spLocks noGrp="1"/>
-          </p:cNvSpPr>
-          <p:nvPr>
-            <p:ph type="title"/>
-          </p:nvPr>
-        </p:nvSpPr>
-        <p:spPr/>
-        <p:txBody>
-          <a:bodyPr/>
-          <a:lstStyle>
-            <a:lvl1pPr>
-              <a:defRPr/>
-            </a:lvl1pPr>
-          </a:lstStyle>
-          <a:p>
-            <a:r>
-              <a:rPr lang="en-US"/>
-              <a:t>Click to edit Master title style</a:t>
-            </a:r>
-            <a:endParaRPr lang="en-US"/>
-          </a:p>
-        </p:txBody>
-      </p:sp>
-      <p:sp>
-        <p:nvSpPr>
           <p:cNvPr id="3" name="Text Placeholder 2"/>
           <p:cNvSpPr>
             <a:spLocks noGrp="1"/>
@@ -1484,299 +1388,241 @@
         </p:nvSpPr>
         <p:spPr>
           <a:xfrm>
-            <a:off x="457200" y="1535113"/>
-            <a:ext cx="4040188" cy="639763"/>
+            <a:off x="633845" y="1681851"/>
+            <a:ext cx="3867150" cy="825699"/>
+          </a:xfrm>
+        </p:spPr>
+        <p:txBody>
+          <a:bodyPr anchor="b">
+            <a:normAutofit/>
+          </a:bodyPr>
+          <a:lstStyle>
+            <a:lvl1pPr marL="0" indent="0">
+              <a:spcBef>
+                <a:spcPts val="0"/>
+              </a:spcBef>
+              <a:buNone/>
+              <a:defRPr sz="1800" b="1"/>
+            </a:lvl1pPr>
+            <a:lvl2pPr marL="342900" indent="0">
+              <a:buNone/>
+              <a:defRPr sz="1500" b="1"/>
+            </a:lvl2pPr>
+            <a:lvl3pPr marL="685800" indent="0">
+              <a:buNone/>
+              <a:defRPr sz="1350" b="1"/>
+            </a:lvl3pPr>
+            <a:lvl4pPr marL="1028700" indent="0">
+              <a:buNone/>
+              <a:defRPr sz="1200" b="1"/>
+            </a:lvl4pPr>
+            <a:lvl5pPr marL="1371600" indent="0">
+              <a:buNone/>
+              <a:defRPr sz="1200" b="1"/>
+            </a:lvl5pPr>
+            <a:lvl6pPr marL="1714500" indent="0">
+              <a:buNone/>
+              <a:defRPr sz="1200" b="1"/>
+            </a:lvl6pPr>
+            <a:lvl7pPr marL="2057400" indent="0">
+              <a:buNone/>
+              <a:defRPr sz="1200" b="1"/>
+            </a:lvl7pPr>
+            <a:lvl8pPr marL="2400300" indent="0">
+              <a:buNone/>
+              <a:defRPr sz="1200" b="1"/>
+            </a:lvl8pPr>
+            <a:lvl9pPr marL="2743200" indent="0">
+              <a:buNone/>
+              <a:defRPr sz="1200" b="1"/>
+            </a:lvl9pPr>
+          </a:lstStyle>
+          <a:p>
+            <a:pPr lvl="0"/>
+            <a:r>
+              <a:rPr lang="zh-CN" altLang="en-US" smtClean="0"/>
+              <a:t>编辑母版文本样式</a:t>
+            </a:r>
+          </a:p>
+        </p:txBody>
+      </p:sp>
+      <p:sp>
+        <p:nvSpPr>
+          <p:cNvPr id="4" name="Content Placeholder 3"/>
+          <p:cNvSpPr>
+            <a:spLocks noGrp="1"/>
+          </p:cNvSpPr>
+          <p:nvPr>
+            <p:ph sz="half" idx="2"/>
+          </p:nvPr>
+        </p:nvSpPr>
+        <p:spPr>
+          <a:xfrm>
+            <a:off x="633845" y="2507551"/>
+            <a:ext cx="3867150" cy="3680525"/>
+          </a:xfrm>
+        </p:spPr>
+        <p:txBody>
+          <a:bodyPr/>
+          <a:lstStyle/>
+          <a:p>
+            <a:pPr lvl="0"/>
+            <a:r>
+              <a:rPr lang="zh-CN" altLang="en-US" smtClean="0"/>
+              <a:t>编辑母版文本样式</a:t>
+            </a:r>
+          </a:p>
+          <a:p>
+            <a:pPr lvl="1"/>
+            <a:r>
+              <a:rPr lang="zh-CN" altLang="en-US" smtClean="0"/>
+              <a:t>第二级</a:t>
+            </a:r>
+          </a:p>
+          <a:p>
+            <a:pPr lvl="2"/>
+            <a:r>
+              <a:rPr lang="zh-CN" altLang="en-US" smtClean="0"/>
+              <a:t>第三级</a:t>
+            </a:r>
+          </a:p>
+          <a:p>
+            <a:pPr lvl="3"/>
+            <a:r>
+              <a:rPr lang="zh-CN" altLang="en-US" smtClean="0"/>
+              <a:t>第四级</a:t>
+            </a:r>
+          </a:p>
+          <a:p>
+            <a:pPr lvl="4"/>
+            <a:r>
+              <a:rPr lang="zh-CN" altLang="en-US" smtClean="0"/>
+              <a:t>第五级</a:t>
+            </a:r>
+            <a:endParaRPr lang="en-US" dirty="0"/>
+          </a:p>
+        </p:txBody>
+      </p:sp>
+      <p:sp>
+        <p:nvSpPr>
+          <p:cNvPr id="5" name="Text Placeholder 4"/>
+          <p:cNvSpPr>
+            <a:spLocks noGrp="1"/>
+          </p:cNvSpPr>
+          <p:nvPr>
+            <p:ph type="body" sz="quarter" idx="3"/>
+          </p:nvPr>
+        </p:nvSpPr>
+        <p:spPr>
+          <a:xfrm>
+            <a:off x="4629150" y="1681851"/>
+            <a:ext cx="3886201" cy="825698"/>
           </a:xfrm>
         </p:spPr>
         <p:txBody>
           <a:bodyPr anchor="b"/>
           <a:lstStyle>
             <a:lvl1pPr marL="0" indent="0">
-              <a:buNone/>
-              <a:defRPr sz="2400" b="1"/>
+              <a:spcBef>
+                <a:spcPts val="0"/>
+              </a:spcBef>
+              <a:buNone/>
+              <a:defRPr sz="1800" b="1"/>
             </a:lvl1pPr>
-            <a:lvl2pPr marL="457200" indent="0">
-              <a:buNone/>
-              <a:defRPr sz="2000" b="1"/>
+            <a:lvl2pPr marL="342900" indent="0">
+              <a:buNone/>
+              <a:defRPr sz="1500" b="1"/>
             </a:lvl2pPr>
-            <a:lvl3pPr marL="914400" indent="0">
-              <a:buNone/>
-              <a:defRPr sz="1800" b="1"/>
+            <a:lvl3pPr marL="685800" indent="0">
+              <a:buNone/>
+              <a:defRPr sz="1350" b="1"/>
             </a:lvl3pPr>
-            <a:lvl4pPr marL="1371600" indent="0">
-              <a:buNone/>
-              <a:defRPr sz="1600" b="1"/>
+            <a:lvl4pPr marL="1028700" indent="0">
+              <a:buNone/>
+              <a:defRPr sz="1200" b="1"/>
             </a:lvl4pPr>
-            <a:lvl5pPr marL="1828800" indent="0">
-              <a:buNone/>
-              <a:defRPr sz="1600" b="1"/>
+            <a:lvl5pPr marL="1371600" indent="0">
+              <a:buNone/>
+              <a:defRPr sz="1200" b="1"/>
             </a:lvl5pPr>
-            <a:lvl6pPr marL="2286000" indent="0">
-              <a:buNone/>
-              <a:defRPr sz="1600" b="1"/>
+            <a:lvl6pPr marL="1714500" indent="0">
+              <a:buNone/>
+              <a:defRPr sz="1200" b="1"/>
             </a:lvl6pPr>
-            <a:lvl7pPr marL="2743200" indent="0">
-              <a:buNone/>
-              <a:defRPr sz="1600" b="1"/>
+            <a:lvl7pPr marL="2057400" indent="0">
+              <a:buNone/>
+              <a:defRPr sz="1200" b="1"/>
             </a:lvl7pPr>
-            <a:lvl8pPr marL="3200400" indent="0">
-              <a:buNone/>
-              <a:defRPr sz="1600" b="1"/>
+            <a:lvl8pPr marL="2400300" indent="0">
+              <a:buNone/>
+              <a:defRPr sz="1200" b="1"/>
             </a:lvl8pPr>
-            <a:lvl9pPr marL="3657600" indent="0">
-              <a:buNone/>
-              <a:defRPr sz="1600" b="1"/>
+            <a:lvl9pPr marL="2743200" indent="0">
+              <a:buNone/>
+              <a:defRPr sz="1200" b="1"/>
             </a:lvl9pPr>
           </a:lstStyle>
           <a:p>
             <a:pPr lvl="0"/>
             <a:r>
-              <a:rPr lang="en-US"/>
-              <a:t>Click to edit Master text styles</a:t>
-            </a:r>
-            <a:endParaRPr lang="en-US"/>
-          </a:p>
-        </p:txBody>
-      </p:sp>
-      <p:sp>
-        <p:nvSpPr>
-          <p:cNvPr id="4" name="Content Placeholder 3"/>
-          <p:cNvSpPr>
-            <a:spLocks noGrp="1"/>
-          </p:cNvSpPr>
-          <p:nvPr>
-            <p:ph sz="half" idx="2"/>
+              <a:rPr lang="zh-CN" altLang="en-US" smtClean="0"/>
+              <a:t>编辑母版文本样式</a:t>
+            </a:r>
+          </a:p>
+        </p:txBody>
+      </p:sp>
+      <p:sp>
+        <p:nvSpPr>
+          <p:cNvPr id="6" name="Content Placeholder 5"/>
+          <p:cNvSpPr>
+            <a:spLocks noGrp="1"/>
+          </p:cNvSpPr>
+          <p:nvPr>
+            <p:ph sz="quarter" idx="4"/>
           </p:nvPr>
         </p:nvSpPr>
         <p:spPr>
           <a:xfrm>
-            <a:off x="457200" y="2174875"/>
-            <a:ext cx="4040188" cy="3951288"/>
+            <a:off x="4629150" y="2507551"/>
+            <a:ext cx="3886201" cy="3680525"/>
           </a:xfrm>
         </p:spPr>
         <p:txBody>
           <a:bodyPr/>
-          <a:lstStyle>
-            <a:lvl1pPr>
-              <a:defRPr sz="2400"/>
-            </a:lvl1pPr>
-            <a:lvl2pPr>
-              <a:defRPr sz="2000"/>
-            </a:lvl2pPr>
-            <a:lvl3pPr>
-              <a:defRPr sz="1800"/>
-            </a:lvl3pPr>
-            <a:lvl4pPr>
-              <a:defRPr sz="1600"/>
-            </a:lvl4pPr>
-            <a:lvl5pPr>
-              <a:defRPr sz="1600"/>
-            </a:lvl5pPr>
-            <a:lvl6pPr>
-              <a:defRPr sz="1600"/>
-            </a:lvl6pPr>
-            <a:lvl7pPr>
-              <a:defRPr sz="1600"/>
-            </a:lvl7pPr>
-            <a:lvl8pPr>
-              <a:defRPr sz="1600"/>
-            </a:lvl8pPr>
-            <a:lvl9pPr>
-              <a:defRPr sz="1600"/>
-            </a:lvl9pPr>
-          </a:lstStyle>
+          <a:lstStyle/>
           <a:p>
             <a:pPr lvl="0"/>
             <a:r>
-              <a:rPr lang="en-US"/>
-              <a:t>Click to edit Master text styles</a:t>
-            </a:r>
-            <a:endParaRPr lang="en-US"/>
+              <a:rPr lang="zh-CN" altLang="en-US" smtClean="0"/>
+              <a:t>编辑母版文本样式</a:t>
+            </a:r>
           </a:p>
           <a:p>
             <a:pPr lvl="1"/>
             <a:r>
-              <a:rPr lang="en-US"/>
-              <a:t>Second level</a:t>
-            </a:r>
-            <a:endParaRPr lang="en-US"/>
+              <a:rPr lang="zh-CN" altLang="en-US" smtClean="0"/>
+              <a:t>第二级</a:t>
+            </a:r>
           </a:p>
           <a:p>
             <a:pPr lvl="2"/>
             <a:r>
-              <a:rPr lang="en-US"/>
-              <a:t>Third level</a:t>
-            </a:r>
-            <a:endParaRPr lang="en-US"/>
+              <a:rPr lang="zh-CN" altLang="en-US" smtClean="0"/>
+              <a:t>第三级</a:t>
+            </a:r>
           </a:p>
           <a:p>
             <a:pPr lvl="3"/>
             <a:r>
-              <a:rPr lang="en-US"/>
-              <a:t>Fourth level</a:t>
-            </a:r>
-            <a:endParaRPr lang="en-US"/>
+              <a:rPr lang="zh-CN" altLang="en-US" smtClean="0"/>
+              <a:t>第四级</a:t>
+            </a:r>
           </a:p>
           <a:p>
             <a:pPr lvl="4"/>
             <a:r>
-              <a:rPr lang="en-US"/>
-              <a:t>Fifth level</a:t>
-            </a:r>
-            <a:endParaRPr lang="en-US"/>
-          </a:p>
-        </p:txBody>
-      </p:sp>
-      <p:sp>
-        <p:nvSpPr>
-          <p:cNvPr id="5" name="Text Placeholder 4"/>
-          <p:cNvSpPr>
-            <a:spLocks noGrp="1"/>
-          </p:cNvSpPr>
-          <p:nvPr>
-            <p:ph type="body" sz="quarter" idx="3"/>
-          </p:nvPr>
-        </p:nvSpPr>
-        <p:spPr>
-          <a:xfrm>
-            <a:off x="4645026" y="1535113"/>
-            <a:ext cx="4041775" cy="639763"/>
-          </a:xfrm>
-        </p:spPr>
-        <p:txBody>
-          <a:bodyPr anchor="b"/>
-          <a:lstStyle>
-            <a:lvl1pPr marL="0" indent="0">
-              <a:buNone/>
-              <a:defRPr sz="2400" b="1"/>
-            </a:lvl1pPr>
-            <a:lvl2pPr marL="457200" indent="0">
-              <a:buNone/>
-              <a:defRPr sz="2000" b="1"/>
-            </a:lvl2pPr>
-            <a:lvl3pPr marL="914400" indent="0">
-              <a:buNone/>
-              <a:defRPr sz="1800" b="1"/>
-            </a:lvl3pPr>
-            <a:lvl4pPr marL="1371600" indent="0">
-              <a:buNone/>
-              <a:defRPr sz="1600" b="1"/>
-            </a:lvl4pPr>
-            <a:lvl5pPr marL="1828800" indent="0">
-              <a:buNone/>
-              <a:defRPr sz="1600" b="1"/>
-            </a:lvl5pPr>
-            <a:lvl6pPr marL="2286000" indent="0">
-              <a:buNone/>
-              <a:defRPr sz="1600" b="1"/>
-            </a:lvl6pPr>
-            <a:lvl7pPr marL="2743200" indent="0">
-              <a:buNone/>
-              <a:defRPr sz="1600" b="1"/>
-            </a:lvl7pPr>
-            <a:lvl8pPr marL="3200400" indent="0">
-              <a:buNone/>
-              <a:defRPr sz="1600" b="1"/>
-            </a:lvl8pPr>
-            <a:lvl9pPr marL="3657600" indent="0">
-              <a:buNone/>
-              <a:defRPr sz="1600" b="1"/>
-            </a:lvl9pPr>
-          </a:lstStyle>
-          <a:p>
-            <a:pPr lvl="0"/>
-            <a:r>
-              <a:rPr lang="en-US"/>
-              <a:t>Click to edit Master text styles</a:t>
-            </a:r>
-            <a:endParaRPr lang="en-US"/>
-          </a:p>
-        </p:txBody>
-      </p:sp>
-      <p:sp>
-        <p:nvSpPr>
-          <p:cNvPr id="6" name="Content Placeholder 5"/>
-          <p:cNvSpPr>
-            <a:spLocks noGrp="1"/>
-          </p:cNvSpPr>
-          <p:nvPr>
-            <p:ph sz="quarter" idx="4"/>
-          </p:nvPr>
-        </p:nvSpPr>
-        <p:spPr>
-          <a:xfrm>
-            <a:off x="4645026" y="2174875"/>
-            <a:ext cx="4041775" cy="3951288"/>
-          </a:xfrm>
-        </p:spPr>
-        <p:txBody>
-          <a:bodyPr/>
-          <a:lstStyle>
-            <a:lvl1pPr>
-              <a:defRPr sz="2400"/>
-            </a:lvl1pPr>
-            <a:lvl2pPr>
-              <a:defRPr sz="2000"/>
-            </a:lvl2pPr>
-            <a:lvl3pPr>
-              <a:defRPr sz="1800"/>
-            </a:lvl3pPr>
-            <a:lvl4pPr>
-              <a:defRPr sz="1600"/>
-            </a:lvl4pPr>
-            <a:lvl5pPr>
-              <a:defRPr sz="1600"/>
-            </a:lvl5pPr>
-            <a:lvl6pPr>
-              <a:defRPr sz="1600"/>
-            </a:lvl6pPr>
-            <a:lvl7pPr>
-              <a:defRPr sz="1600"/>
-            </a:lvl7pPr>
-            <a:lvl8pPr>
-              <a:defRPr sz="1600"/>
-            </a:lvl8pPr>
-            <a:lvl9pPr>
-              <a:defRPr sz="1600"/>
-            </a:lvl9pPr>
-          </a:lstStyle>
-          <a:p>
-            <a:pPr lvl="0"/>
-            <a:r>
-              <a:rPr lang="en-US"/>
-              <a:t>Click to edit Master text styles</a:t>
-            </a:r>
-            <a:endParaRPr lang="en-US"/>
-          </a:p>
-          <a:p>
-            <a:pPr lvl="1"/>
-            <a:r>
-              <a:rPr lang="en-US"/>
-              <a:t>Second level</a:t>
-            </a:r>
-            <a:endParaRPr lang="en-US"/>
-          </a:p>
-          <a:p>
-            <a:pPr lvl="2"/>
-            <a:r>
-              <a:rPr lang="en-US"/>
-              <a:t>Third level</a:t>
-            </a:r>
-            <a:endParaRPr lang="en-US"/>
-          </a:p>
-          <a:p>
-            <a:pPr lvl="3"/>
-            <a:r>
-              <a:rPr lang="en-US"/>
-              <a:t>Fourth level</a:t>
-            </a:r>
-            <a:endParaRPr lang="en-US"/>
-          </a:p>
-          <a:p>
-            <a:pPr lvl="4"/>
-            <a:r>
-              <a:rPr lang="en-US"/>
-              <a:t>Fifth level</a:t>
+              <a:rPr lang="zh-CN" altLang="en-US" smtClean="0"/>
+              <a:t>第五级</a:t>
             </a:r>
             <a:endParaRPr lang="en-US"/>
           </a:p>
@@ -1799,6 +1645,7 @@
           <a:p>
             <a:fld id="{241EB5C9-1307-BA42-ABA2-0BC069CD8E7F}" type="datetimeFigureOut">
               <a:rPr lang="en-US" smtClean="0"/>
+              <a:t>10/2/2023</a:t>
             </a:fld>
             <a:endParaRPr lang="en-US"/>
           </a:p>
@@ -1840,12 +1687,41 @@
           <a:p>
             <a:fld id="{C5EF2332-01BF-834F-8236-50238282D533}" type="slidenum">
               <a:rPr lang="en-US" smtClean="0"/>
+              <a:t>‹#›</a:t>
             </a:fld>
             <a:endParaRPr lang="en-US"/>
           </a:p>
         </p:txBody>
       </p:sp>
+      <p:sp>
+        <p:nvSpPr>
+          <p:cNvPr id="10" name="Title 9"/>
+          <p:cNvSpPr>
+            <a:spLocks noGrp="1"/>
+          </p:cNvSpPr>
+          <p:nvPr>
+            <p:ph type="title"/>
+          </p:nvPr>
+        </p:nvSpPr>
+        <p:spPr/>
+        <p:txBody>
+          <a:bodyPr/>
+          <a:lstStyle/>
+          <a:p>
+            <a:r>
+              <a:rPr lang="zh-CN" altLang="en-US" smtClean="0"/>
+              <a:t>单击此处编辑母版标题样式</a:t>
+            </a:r>
+            <a:endParaRPr lang="en-US" dirty="0"/>
+          </a:p>
+        </p:txBody>
+      </p:sp>
     </p:spTree>
+    <p:extLst>
+      <p:ext uri="{BB962C8B-B14F-4D97-AF65-F5344CB8AC3E}">
+        <p14:creationId xmlns:p14="http://schemas.microsoft.com/office/powerpoint/2010/main" val="159972996"/>
+      </p:ext>
+    </p:extLst>
   </p:cSld>
   <p:clrMapOvr>
     <a:masterClrMapping/>
@@ -1854,8 +1730,8 @@
 </file>
 
 <file path=ppt/slideLayouts/slideLayout6.xml><?xml version="1.0" encoding="utf-8"?>
-<p:sldLayout xmlns:a="http://schemas.openxmlformats.org/drawingml/2006/main" xmlns:r="http://schemas.openxmlformats.org/officeDocument/2006/relationships" xmlns:p="http://schemas.openxmlformats.org/presentationml/2006/main" type="titleOnly" preserve="1">
-  <p:cSld name="Title Only">
+<p:sldLayout xmlns:a="http://schemas.openxmlformats.org/drawingml/2006/main" xmlns:r="http://schemas.openxmlformats.org/officeDocument/2006/relationships" xmlns:p="http://schemas.openxmlformats.org/presentationml/2006/main" preserve="1">
+  <p:cSld name="仅标题">
     <p:spTree>
       <p:nvGrpSpPr>
         <p:cNvPr id="1" name=""/>
@@ -1872,29 +1748,6 @@
       </p:grpSpPr>
       <p:sp>
         <p:nvSpPr>
-          <p:cNvPr id="2" name="Title 1"/>
-          <p:cNvSpPr>
-            <a:spLocks noGrp="1"/>
-          </p:cNvSpPr>
-          <p:nvPr>
-            <p:ph type="title"/>
-          </p:nvPr>
-        </p:nvSpPr>
-        <p:spPr/>
-        <p:txBody>
-          <a:bodyPr/>
-          <a:lstStyle/>
-          <a:p>
-            <a:r>
-              <a:rPr lang="en-US"/>
-              <a:t>Click to edit Master title style</a:t>
-            </a:r>
-            <a:endParaRPr lang="en-US"/>
-          </a:p>
-        </p:txBody>
-      </p:sp>
-      <p:sp>
-        <p:nvSpPr>
           <p:cNvPr id="3" name="Date Placeholder 2"/>
           <p:cNvSpPr>
             <a:spLocks noGrp="1"/>
@@ -1910,6 +1763,7 @@
           <a:p>
             <a:fld id="{241EB5C9-1307-BA42-ABA2-0BC069CD8E7F}" type="datetimeFigureOut">
               <a:rPr lang="en-US" smtClean="0"/>
+              <a:t>10/2/2023</a:t>
             </a:fld>
             <a:endParaRPr lang="en-US"/>
           </a:p>
@@ -1951,12 +1805,41 @@
           <a:p>
             <a:fld id="{C5EF2332-01BF-834F-8236-50238282D533}" type="slidenum">
               <a:rPr lang="en-US" smtClean="0"/>
+              <a:t>‹#›</a:t>
             </a:fld>
             <a:endParaRPr lang="en-US"/>
           </a:p>
         </p:txBody>
       </p:sp>
+      <p:sp>
+        <p:nvSpPr>
+          <p:cNvPr id="6" name="Title 5"/>
+          <p:cNvSpPr>
+            <a:spLocks noGrp="1"/>
+          </p:cNvSpPr>
+          <p:nvPr>
+            <p:ph type="title"/>
+          </p:nvPr>
+        </p:nvSpPr>
+        <p:spPr/>
+        <p:txBody>
+          <a:bodyPr/>
+          <a:lstStyle/>
+          <a:p>
+            <a:r>
+              <a:rPr lang="zh-CN" altLang="en-US" smtClean="0"/>
+              <a:t>单击此处编辑母版标题样式</a:t>
+            </a:r>
+            <a:endParaRPr lang="en-US"/>
+          </a:p>
+        </p:txBody>
+      </p:sp>
     </p:spTree>
+    <p:extLst>
+      <p:ext uri="{BB962C8B-B14F-4D97-AF65-F5344CB8AC3E}">
+        <p14:creationId xmlns:p14="http://schemas.microsoft.com/office/powerpoint/2010/main" val="2977303005"/>
+      </p:ext>
+    </p:extLst>
   </p:cSld>
   <p:clrMapOvr>
     <a:masterClrMapping/>
@@ -1966,7 +1849,7 @@
 
 <file path=ppt/slideLayouts/slideLayout7.xml><?xml version="1.0" encoding="utf-8"?>
 <p:sldLayout xmlns:a="http://schemas.openxmlformats.org/drawingml/2006/main" xmlns:r="http://schemas.openxmlformats.org/officeDocument/2006/relationships" xmlns:p="http://schemas.openxmlformats.org/presentationml/2006/main" type="blank" preserve="1">
-  <p:cSld name="Blank">
+  <p:cSld name="空白">
     <p:spTree>
       <p:nvGrpSpPr>
         <p:cNvPr id="1" name=""/>
@@ -1998,6 +1881,7 @@
           <a:p>
             <a:fld id="{241EB5C9-1307-BA42-ABA2-0BC069CD8E7F}" type="datetimeFigureOut">
               <a:rPr lang="en-US" smtClean="0"/>
+              <a:t>10/2/2023</a:t>
             </a:fld>
             <a:endParaRPr lang="en-US"/>
           </a:p>
@@ -2039,12 +1923,18 @@
           <a:p>
             <a:fld id="{C5EF2332-01BF-834F-8236-50238282D533}" type="slidenum">
               <a:rPr lang="en-US" smtClean="0"/>
+              <a:t>‹#›</a:t>
             </a:fld>
             <a:endParaRPr lang="en-US"/>
           </a:p>
         </p:txBody>
       </p:sp>
     </p:spTree>
+    <p:extLst>
+      <p:ext uri="{BB962C8B-B14F-4D97-AF65-F5344CB8AC3E}">
+        <p14:creationId xmlns:p14="http://schemas.microsoft.com/office/powerpoint/2010/main" val="1006175112"/>
+      </p:ext>
+    </p:extLst>
   </p:cSld>
   <p:clrMapOvr>
     <a:masterClrMapping/>
@@ -2054,7 +1944,7 @@
 
 <file path=ppt/slideLayouts/slideLayout8.xml><?xml version="1.0" encoding="utf-8"?>
 <p:sldLayout xmlns:a="http://schemas.openxmlformats.org/drawingml/2006/main" xmlns:r="http://schemas.openxmlformats.org/officeDocument/2006/relationships" xmlns:p="http://schemas.openxmlformats.org/presentationml/2006/main" type="objTx" preserve="1">
-  <p:cSld name="Content with Caption">
+  <p:cSld name="内容与标题">
     <p:spTree>
       <p:nvGrpSpPr>
         <p:cNvPr id="1" name=""/>
@@ -2081,23 +1971,25 @@
         </p:nvSpPr>
         <p:spPr>
           <a:xfrm>
-            <a:off x="457201" y="273049"/>
-            <a:ext cx="3008313" cy="1162051"/>
+            <a:off x="630936" y="457201"/>
+            <a:ext cx="2948940" cy="1600197"/>
           </a:xfrm>
         </p:spPr>
         <p:txBody>
-          <a:bodyPr anchor="b"/>
+          <a:bodyPr anchor="b">
+            <a:normAutofit/>
+          </a:bodyPr>
           <a:lstStyle>
-            <a:lvl1pPr algn="l">
-              <a:defRPr sz="2000" b="1"/>
+            <a:lvl1pPr>
+              <a:defRPr sz="2400" b="0"/>
             </a:lvl1pPr>
           </a:lstStyle>
           <a:p>
             <a:r>
-              <a:rPr lang="en-US"/>
-              <a:t>Click to edit Master title style</a:t>
-            </a:r>
-            <a:endParaRPr lang="en-US"/>
+              <a:rPr lang="zh-CN" altLang="en-US" smtClean="0"/>
+              <a:t>单击此处编辑母版标题样式</a:t>
+            </a:r>
+            <a:endParaRPr lang="en-US" dirty="0"/>
           </a:p>
         </p:txBody>
       </p:sp>
@@ -2113,80 +2005,76 @@
         </p:nvSpPr>
         <p:spPr>
           <a:xfrm>
-            <a:off x="3575050" y="273051"/>
-            <a:ext cx="5111750" cy="5853113"/>
+            <a:off x="3886200" y="990600"/>
+            <a:ext cx="4629150" cy="4876800"/>
           </a:xfrm>
         </p:spPr>
         <p:txBody>
           <a:bodyPr/>
           <a:lstStyle>
             <a:lvl1pPr>
-              <a:defRPr sz="3200"/>
+              <a:defRPr sz="2400"/>
             </a:lvl1pPr>
             <a:lvl2pPr>
-              <a:defRPr sz="2800"/>
+              <a:defRPr sz="2100"/>
             </a:lvl2pPr>
             <a:lvl3pPr>
-              <a:defRPr sz="2400"/>
+              <a:defRPr sz="1800"/>
             </a:lvl3pPr>
             <a:lvl4pPr>
-              <a:defRPr sz="2000"/>
+              <a:defRPr sz="1500"/>
             </a:lvl4pPr>
             <a:lvl5pPr>
-              <a:defRPr sz="2000"/>
+              <a:defRPr sz="1500"/>
             </a:lvl5pPr>
             <a:lvl6pPr>
-              <a:defRPr sz="2000"/>
+              <a:defRPr sz="1500"/>
             </a:lvl6pPr>
             <a:lvl7pPr>
-              <a:defRPr sz="2000"/>
+              <a:defRPr sz="1500"/>
             </a:lvl7pPr>
             <a:lvl8pPr>
-              <a:defRPr sz="2000"/>
+              <a:defRPr sz="1500"/>
             </a:lvl8pPr>
             <a:lvl9pPr>
-              <a:defRPr sz="2000"/>
+              <a:defRPr sz="1500"/>
             </a:lvl9pPr>
           </a:lstStyle>
           <a:p>
             <a:pPr lvl="0"/>
             <a:r>
-              <a:rPr lang="en-US"/>
-              <a:t>Click to edit Master text styles</a:t>
-            </a:r>
-            <a:endParaRPr lang="en-US"/>
+              <a:rPr lang="zh-CN" altLang="en-US" smtClean="0"/>
+              <a:t>编辑母版文本样式</a:t>
+            </a:r>
           </a:p>
           <a:p>
             <a:pPr lvl="1"/>
             <a:r>
-              <a:rPr lang="en-US"/>
-              <a:t>Second level</a:t>
-            </a:r>
-            <a:endParaRPr lang="en-US"/>
+              <a:rPr lang="zh-CN" altLang="en-US" smtClean="0"/>
+              <a:t>第二级</a:t>
+            </a:r>
           </a:p>
           <a:p>
             <a:pPr lvl="2"/>
             <a:r>
-              <a:rPr lang="en-US"/>
-              <a:t>Third level</a:t>
-            </a:r>
-            <a:endParaRPr lang="en-US"/>
+              <a:rPr lang="zh-CN" altLang="en-US" smtClean="0"/>
+              <a:t>第三级</a:t>
+            </a:r>
           </a:p>
           <a:p>
             <a:pPr lvl="3"/>
             <a:r>
-              <a:rPr lang="en-US"/>
-              <a:t>Fourth level</a:t>
-            </a:r>
-            <a:endParaRPr lang="en-US"/>
+              <a:rPr lang="zh-CN" altLang="en-US" smtClean="0"/>
+              <a:t>第四级</a:t>
+            </a:r>
           </a:p>
           <a:p>
             <a:pPr lvl="4"/>
             <a:r>
-              <a:rPr lang="en-US"/>
-              <a:t>Fifth level</a:t>
-            </a:r>
-            <a:endParaRPr lang="en-US"/>
+              <a:rPr lang="zh-CN" altLang="en-US" smtClean="0"/>
+              <a:t>第五级</a:t>
+            </a:r>
+            <a:endParaRPr lang="en-US" dirty="0"/>
           </a:p>
         </p:txBody>
       </p:sp>
@@ -2202,57 +2090,61 @@
         </p:nvSpPr>
         <p:spPr>
           <a:xfrm>
-            <a:off x="457201" y="1435101"/>
-            <a:ext cx="3008313" cy="4691063"/>
+            <a:off x="630936" y="2057399"/>
+            <a:ext cx="2948940" cy="3810001"/>
           </a:xfrm>
         </p:spPr>
         <p:txBody>
-          <a:bodyPr/>
+          <a:bodyPr>
+            <a:normAutofit/>
+          </a:bodyPr>
           <a:lstStyle>
             <a:lvl1pPr marL="0" indent="0">
-              <a:buNone/>
-              <a:defRPr sz="1400"/>
+              <a:lnSpc>
+                <a:spcPct val="90000"/>
+              </a:lnSpc>
+              <a:buNone/>
+              <a:defRPr sz="1200"/>
             </a:lvl1pPr>
-            <a:lvl2pPr marL="457200" indent="0">
-              <a:buNone/>
-              <a:defRPr sz="1200"/>
+            <a:lvl2pPr marL="342900" indent="0">
+              <a:buNone/>
+              <a:defRPr sz="900"/>
             </a:lvl2pPr>
-            <a:lvl3pPr marL="914400" indent="0">
-              <a:buNone/>
-              <a:defRPr sz="1000"/>
+            <a:lvl3pPr marL="685800" indent="0">
+              <a:buNone/>
+              <a:defRPr sz="750"/>
             </a:lvl3pPr>
-            <a:lvl4pPr marL="1371600" indent="0">
-              <a:buNone/>
-              <a:defRPr sz="900"/>
+            <a:lvl4pPr marL="1028700" indent="0">
+              <a:buNone/>
+              <a:defRPr sz="675"/>
             </a:lvl4pPr>
-            <a:lvl5pPr marL="1828800" indent="0">
-              <a:buNone/>
-              <a:defRPr sz="900"/>
+            <a:lvl5pPr marL="1371600" indent="0">
+              <a:buNone/>
+              <a:defRPr sz="675"/>
             </a:lvl5pPr>
-            <a:lvl6pPr marL="2286000" indent="0">
-              <a:buNone/>
-              <a:defRPr sz="900"/>
+            <a:lvl6pPr marL="1714500" indent="0">
+              <a:buNone/>
+              <a:defRPr sz="675"/>
             </a:lvl6pPr>
-            <a:lvl7pPr marL="2743200" indent="0">
-              <a:buNone/>
-              <a:defRPr sz="900"/>
+            <a:lvl7pPr marL="2057400" indent="0">
+              <a:buNone/>
+              <a:defRPr sz="675"/>
             </a:lvl7pPr>
-            <a:lvl8pPr marL="3200400" indent="0">
-              <a:buNone/>
-              <a:defRPr sz="900"/>
+            <a:lvl8pPr marL="2400300" indent="0">
+              <a:buNone/>
+              <a:defRPr sz="675"/>
             </a:lvl8pPr>
-            <a:lvl9pPr marL="3657600" indent="0">
-              <a:buNone/>
-              <a:defRPr sz="900"/>
+            <a:lvl9pPr marL="2743200" indent="0">
+              <a:buNone/>
+              <a:defRPr sz="675"/>
             </a:lvl9pPr>
           </a:lstStyle>
           <a:p>
             <a:pPr lvl="0"/>
             <a:r>
-              <a:rPr lang="en-US"/>
-              <a:t>Click to edit Master text styles</a:t>
-            </a:r>
-            <a:endParaRPr lang="en-US"/>
+              <a:rPr lang="zh-CN" altLang="en-US" smtClean="0"/>
+              <a:t>编辑母版文本样式</a:t>
+            </a:r>
           </a:p>
         </p:txBody>
       </p:sp>
@@ -2273,6 +2165,7 @@
           <a:p>
             <a:fld id="{241EB5C9-1307-BA42-ABA2-0BC069CD8E7F}" type="datetimeFigureOut">
               <a:rPr lang="en-US" smtClean="0"/>
+              <a:t>10/2/2023</a:t>
             </a:fld>
             <a:endParaRPr lang="en-US"/>
           </a:p>
@@ -2314,12 +2207,18 @@
           <a:p>
             <a:fld id="{C5EF2332-01BF-834F-8236-50238282D533}" type="slidenum">
               <a:rPr lang="en-US" smtClean="0"/>
+              <a:t>‹#›</a:t>
             </a:fld>
             <a:endParaRPr lang="en-US"/>
           </a:p>
         </p:txBody>
       </p:sp>
     </p:spTree>
+    <p:extLst>
+      <p:ext uri="{BB962C8B-B14F-4D97-AF65-F5344CB8AC3E}">
+        <p14:creationId xmlns:p14="http://schemas.microsoft.com/office/powerpoint/2010/main" val="1909597412"/>
+      </p:ext>
+    </p:extLst>
   </p:cSld>
   <p:clrMapOvr>
     <a:masterClrMapping/>
@@ -2329,7 +2228,7 @@
 
 <file path=ppt/slideLayouts/slideLayout9.xml><?xml version="1.0" encoding="utf-8"?>
 <p:sldLayout xmlns:a="http://schemas.openxmlformats.org/drawingml/2006/main" xmlns:r="http://schemas.openxmlformats.org/officeDocument/2006/relationships" xmlns:p="http://schemas.openxmlformats.org/presentationml/2006/main" type="picTx" preserve="1">
-  <p:cSld name="Picture with Caption">
+  <p:cSld name="图片与标题">
     <p:spTree>
       <p:nvGrpSpPr>
         <p:cNvPr id="1" name=""/>
@@ -2356,23 +2255,25 @@
         </p:nvSpPr>
         <p:spPr>
           <a:xfrm>
-            <a:off x="1792288" y="4800600"/>
-            <a:ext cx="5486400" cy="566739"/>
+            <a:off x="630936" y="457200"/>
+            <a:ext cx="2948940" cy="1600200"/>
           </a:xfrm>
         </p:spPr>
         <p:txBody>
-          <a:bodyPr anchor="b"/>
+          <a:bodyPr anchor="b">
+            <a:normAutofit/>
+          </a:bodyPr>
           <a:lstStyle>
-            <a:lvl1pPr algn="l">
-              <a:defRPr sz="2000" b="1"/>
+            <a:lvl1pPr>
+              <a:defRPr sz="2400" b="0"/>
             </a:lvl1pPr>
           </a:lstStyle>
           <a:p>
             <a:r>
-              <a:rPr lang="en-US"/>
-              <a:t>Click to edit Master title style</a:t>
-            </a:r>
-            <a:endParaRPr lang="en-US"/>
+              <a:rPr lang="zh-CN" altLang="en-US" smtClean="0"/>
+              <a:t>单击此处编辑母版标题样式</a:t>
+            </a:r>
+            <a:endParaRPr lang="en-US" dirty="0"/>
           </a:p>
         </p:txBody>
       </p:sp>
@@ -2388,8 +2289,8 @@
         </p:nvSpPr>
         <p:spPr>
           <a:xfrm>
-            <a:off x="1792288" y="612775"/>
-            <a:ext cx="5486400" cy="4114800"/>
+            <a:off x="3886200" y="990600"/>
+            <a:ext cx="4629150" cy="4876800"/>
           </a:xfrm>
         </p:spPr>
         <p:txBody>
@@ -2397,43 +2298,47 @@
           <a:lstStyle>
             <a:lvl1pPr marL="0" indent="0">
               <a:buNone/>
-              <a:defRPr sz="3200"/>
+              <a:defRPr sz="2400"/>
             </a:lvl1pPr>
-            <a:lvl2pPr marL="457200" indent="0">
-              <a:buNone/>
-              <a:defRPr sz="2800"/>
+            <a:lvl2pPr marL="342900" indent="0">
+              <a:buNone/>
+              <a:defRPr sz="2100"/>
             </a:lvl2pPr>
-            <a:lvl3pPr marL="914400" indent="0">
-              <a:buNone/>
-              <a:defRPr sz="2400"/>
+            <a:lvl3pPr marL="685800" indent="0">
+              <a:buNone/>
+              <a:defRPr sz="1800"/>
             </a:lvl3pPr>
-            <a:lvl4pPr marL="1371600" indent="0">
-              <a:buNone/>
-              <a:defRPr sz="2000"/>
+            <a:lvl4pPr marL="1028700" indent="0">
+              <a:buNone/>
+              <a:defRPr sz="1500"/>
             </a:lvl4pPr>
-            <a:lvl5pPr marL="1828800" indent="0">
-              <a:buNone/>
-              <a:defRPr sz="2000"/>
+            <a:lvl5pPr marL="1371600" indent="0">
+              <a:buNone/>
+              <a:defRPr sz="1500"/>
             </a:lvl5pPr>
-            <a:lvl6pPr marL="2286000" indent="0">
-              <a:buNone/>
-              <a:defRPr sz="2000"/>
+            <a:lvl6pPr marL="1714500" indent="0">
+              <a:buNone/>
+              <a:defRPr sz="1500"/>
             </a:lvl6pPr>
-            <a:lvl7pPr marL="2743200" indent="0">
-              <a:buNone/>
-              <a:defRPr sz="2000"/>
+            <a:lvl7pPr marL="2057400" indent="0">
+              <a:buNone/>
+              <a:defRPr sz="1500"/>
             </a:lvl7pPr>
-            <a:lvl8pPr marL="3200400" indent="0">
-              <a:buNone/>
-              <a:defRPr sz="2000"/>
+            <a:lvl8pPr marL="2400300" indent="0">
+              <a:buNone/>
+              <a:defRPr sz="1500"/>
             </a:lvl8pPr>
-            <a:lvl9pPr marL="3657600" indent="0">
-              <a:buNone/>
-              <a:defRPr sz="2000"/>
+            <a:lvl9pPr marL="2743200" indent="0">
+              <a:buNone/>
+              <a:defRPr sz="1500"/>
             </a:lvl9pPr>
           </a:lstStyle>
           <a:p>
-            <a:endParaRPr lang="en-US"/>
+            <a:r>
+              <a:rPr lang="zh-CN" altLang="en-US" smtClean="0"/>
+              <a:t>单击图标添加图片</a:t>
+            </a:r>
+            <a:endParaRPr lang="en-US" dirty="0"/>
           </a:p>
         </p:txBody>
       </p:sp>
@@ -2449,57 +2354,61 @@
         </p:nvSpPr>
         <p:spPr>
           <a:xfrm>
-            <a:off x="1792288" y="5367337"/>
-            <a:ext cx="5486400" cy="804863"/>
+            <a:off x="630936" y="2057400"/>
+            <a:ext cx="2948940" cy="3810000"/>
           </a:xfrm>
         </p:spPr>
         <p:txBody>
-          <a:bodyPr/>
+          <a:bodyPr>
+            <a:normAutofit/>
+          </a:bodyPr>
           <a:lstStyle>
             <a:lvl1pPr marL="0" indent="0">
-              <a:buNone/>
-              <a:defRPr sz="1400"/>
+              <a:lnSpc>
+                <a:spcPct val="90000"/>
+              </a:lnSpc>
+              <a:buNone/>
+              <a:defRPr sz="1200"/>
             </a:lvl1pPr>
-            <a:lvl2pPr marL="457200" indent="0">
-              <a:buNone/>
-              <a:defRPr sz="1200"/>
+            <a:lvl2pPr marL="342900" indent="0">
+              <a:buNone/>
+              <a:defRPr sz="900"/>
             </a:lvl2pPr>
-            <a:lvl3pPr marL="914400" indent="0">
-              <a:buNone/>
-              <a:defRPr sz="1000"/>
+            <a:lvl3pPr marL="685800" indent="0">
+              <a:buNone/>
+              <a:defRPr sz="750"/>
             </a:lvl3pPr>
-            <a:lvl4pPr marL="1371600" indent="0">
-              <a:buNone/>
-              <a:defRPr sz="900"/>
+            <a:lvl4pPr marL="1028700" indent="0">
+              <a:buNone/>
+              <a:defRPr sz="675"/>
             </a:lvl4pPr>
-            <a:lvl5pPr marL="1828800" indent="0">
-              <a:buNone/>
-              <a:defRPr sz="900"/>
+            <a:lvl5pPr marL="1371600" indent="0">
+              <a:buNone/>
+              <a:defRPr sz="675"/>
             </a:lvl5pPr>
-            <a:lvl6pPr marL="2286000" indent="0">
-              <a:buNone/>
-              <a:defRPr sz="900"/>
+            <a:lvl6pPr marL="1714500" indent="0">
+              <a:buNone/>
+              <a:defRPr sz="675"/>
             </a:lvl6pPr>
-            <a:lvl7pPr marL="2743200" indent="0">
-              <a:buNone/>
-              <a:defRPr sz="900"/>
+            <a:lvl7pPr marL="2057400" indent="0">
+              <a:buNone/>
+              <a:defRPr sz="675"/>
             </a:lvl7pPr>
-            <a:lvl8pPr marL="3200400" indent="0">
-              <a:buNone/>
-              <a:defRPr sz="900"/>
+            <a:lvl8pPr marL="2400300" indent="0">
+              <a:buNone/>
+              <a:defRPr sz="675"/>
             </a:lvl8pPr>
-            <a:lvl9pPr marL="3657600" indent="0">
-              <a:buNone/>
-              <a:defRPr sz="900"/>
+            <a:lvl9pPr marL="2743200" indent="0">
+              <a:buNone/>
+              <a:defRPr sz="675"/>
             </a:lvl9pPr>
           </a:lstStyle>
           <a:p>
             <a:pPr lvl="0"/>
             <a:r>
-              <a:rPr lang="en-US"/>
-              <a:t>Click to edit Master text styles</a:t>
-            </a:r>
-            <a:endParaRPr lang="en-US"/>
+              <a:rPr lang="zh-CN" altLang="en-US" smtClean="0"/>
+              <a:t>编辑母版文本样式</a:t>
+            </a:r>
           </a:p>
         </p:txBody>
       </p:sp>
@@ -2520,6 +2429,7 @@
           <a:p>
             <a:fld id="{241EB5C9-1307-BA42-ABA2-0BC069CD8E7F}" type="datetimeFigureOut">
               <a:rPr lang="en-US" smtClean="0"/>
+              <a:t>10/2/2023</a:t>
             </a:fld>
             <a:endParaRPr lang="en-US"/>
           </a:p>
@@ -2561,12 +2471,18 @@
           <a:p>
             <a:fld id="{C5EF2332-01BF-834F-8236-50238282D533}" type="slidenum">
               <a:rPr lang="en-US" smtClean="0"/>
+              <a:t>‹#›</a:t>
             </a:fld>
             <a:endParaRPr lang="en-US"/>
           </a:p>
         </p:txBody>
       </p:sp>
     </p:spTree>
+    <p:extLst>
+      <p:ext uri="{BB962C8B-B14F-4D97-AF65-F5344CB8AC3E}">
+        <p14:creationId xmlns:p14="http://schemas.microsoft.com/office/powerpoint/2010/main" val="3167085264"/>
+      </p:ext>
+    </p:extLst>
   </p:cSld>
   <p:clrMapOvr>
     <a:masterClrMapping/>
@@ -2575,7 +2491,7 @@
 </file>
 
 <file path=ppt/slideMasters/slideMaster1.xml><?xml version="1.0" encoding="utf-8"?>
-<p:sldMaster xmlns:a="http://schemas.openxmlformats.org/drawingml/2006/main" xmlns:r="http://schemas.openxmlformats.org/officeDocument/2006/relationships" xmlns:p="http://schemas.openxmlformats.org/presentationml/2006/main">
+<p:sldMaster xmlns:a="http://schemas.openxmlformats.org/drawingml/2006/main" xmlns:r="http://schemas.openxmlformats.org/officeDocument/2006/relationships" xmlns:p="http://schemas.openxmlformats.org/presentationml/2006/main" preserve="1">
   <p:cSld>
     <p:bg>
       <p:bgRef idx="1001">
@@ -2608,8 +2524,8 @@
         </p:nvSpPr>
         <p:spPr>
           <a:xfrm>
-            <a:off x="457200" y="274639"/>
-            <a:ext cx="8229600" cy="1143000"/>
+            <a:off x="633845" y="365760"/>
+            <a:ext cx="7886700" cy="1325562"/>
           </a:xfrm>
           <a:prstGeom prst="rect">
             <a:avLst/>
@@ -2622,10 +2538,10 @@
           <a:lstStyle/>
           <a:p>
             <a:r>
-              <a:rPr lang="en-US"/>
-              <a:t>Click to edit Master title style</a:t>
-            </a:r>
-            <a:endParaRPr lang="en-US"/>
+              <a:rPr lang="zh-CN" altLang="en-US" smtClean="0"/>
+              <a:t>单击此处编辑母版标题样式</a:t>
+            </a:r>
+            <a:endParaRPr lang="en-US" dirty="0"/>
           </a:p>
         </p:txBody>
       </p:sp>
@@ -2641,8 +2557,8 @@
         </p:nvSpPr>
         <p:spPr>
           <a:xfrm>
-            <a:off x="457200" y="1600201"/>
-            <a:ext cx="8229600" cy="4525963"/>
+            <a:off x="633845" y="1828801"/>
+            <a:ext cx="7886700" cy="4351337"/>
           </a:xfrm>
           <a:prstGeom prst="rect">
             <a:avLst/>
@@ -2656,42 +2572,38 @@
           <a:p>
             <a:pPr lvl="0"/>
             <a:r>
-              <a:rPr lang="en-US"/>
-              <a:t>Click to edit Master text styles</a:t>
-            </a:r>
-            <a:endParaRPr lang="en-US"/>
+              <a:rPr lang="zh-CN" altLang="en-US" smtClean="0"/>
+              <a:t>编辑母版文本样式</a:t>
+            </a:r>
           </a:p>
           <a:p>
             <a:pPr lvl="1"/>
             <a:r>
-              <a:rPr lang="en-US"/>
-              <a:t>Second level</a:t>
-            </a:r>
-            <a:endParaRPr lang="en-US"/>
+              <a:rPr lang="zh-CN" altLang="en-US" smtClean="0"/>
+              <a:t>第二级</a:t>
+            </a:r>
           </a:p>
           <a:p>
             <a:pPr lvl="2"/>
             <a:r>
-              <a:rPr lang="en-US"/>
-              <a:t>Third level</a:t>
-            </a:r>
-            <a:endParaRPr lang="en-US"/>
+              <a:rPr lang="zh-CN" altLang="en-US" smtClean="0"/>
+              <a:t>第三级</a:t>
+            </a:r>
           </a:p>
           <a:p>
             <a:pPr lvl="3"/>
             <a:r>
-              <a:rPr lang="en-US"/>
-              <a:t>Fourth level</a:t>
-            </a:r>
-            <a:endParaRPr lang="en-US"/>
+              <a:rPr lang="zh-CN" altLang="en-US" smtClean="0"/>
+              <a:t>第四级</a:t>
+            </a:r>
           </a:p>
           <a:p>
             <a:pPr lvl="4"/>
             <a:r>
-              <a:rPr lang="en-US"/>
-              <a:t>Fifth level</a:t>
-            </a:r>
-            <a:endParaRPr lang="en-US"/>
+              <a:rPr lang="zh-CN" altLang="en-US" smtClean="0"/>
+              <a:t>第五级</a:t>
+            </a:r>
+            <a:endParaRPr lang="en-US" dirty="0"/>
           </a:p>
         </p:txBody>
       </p:sp>
@@ -2707,8 +2619,8 @@
         </p:nvSpPr>
         <p:spPr>
           <a:xfrm>
-            <a:off x="457200" y="6356351"/>
-            <a:ext cx="2133600" cy="365125"/>
+            <a:off x="628650" y="6356351"/>
+            <a:ext cx="2057400" cy="365125"/>
           </a:xfrm>
           <a:prstGeom prst="rect">
             <a:avLst/>
@@ -2718,10 +2630,11 @@
           <a:bodyPr vert="horz" lIns="91440" tIns="45720" rIns="91440" bIns="45720" rtlCol="0" anchor="ctr"/>
           <a:lstStyle>
             <a:lvl1pPr algn="l">
-              <a:defRPr sz="1200">
+              <a:defRPr sz="825">
                 <a:solidFill>
                   <a:schemeClr val="tx1">
-                    <a:tint val="75000"/>
+                    <a:lumMod val="65000"/>
+                    <a:lumOff val="35000"/>
                   </a:schemeClr>
                 </a:solidFill>
               </a:defRPr>
@@ -2730,6 +2643,7 @@
           <a:p>
             <a:fld id="{241EB5C9-1307-BA42-ABA2-0BC069CD8E7F}" type="datetimeFigureOut">
               <a:rPr lang="en-US" smtClean="0"/>
+              <a:t>10/2/2023</a:t>
             </a:fld>
             <a:endParaRPr lang="en-US"/>
           </a:p>
@@ -2747,8 +2661,8 @@
         </p:nvSpPr>
         <p:spPr>
           <a:xfrm>
-            <a:off x="3124200" y="6356351"/>
-            <a:ext cx="2895600" cy="365125"/>
+            <a:off x="3028950" y="6356351"/>
+            <a:ext cx="3086100" cy="365125"/>
           </a:xfrm>
           <a:prstGeom prst="rect">
             <a:avLst/>
@@ -2758,10 +2672,11 @@
           <a:bodyPr vert="horz" lIns="91440" tIns="45720" rIns="91440" bIns="45720" rtlCol="0" anchor="ctr"/>
           <a:lstStyle>
             <a:lvl1pPr algn="ctr">
-              <a:defRPr sz="1200">
+              <a:defRPr sz="825">
                 <a:solidFill>
                   <a:schemeClr val="tx1">
-                    <a:tint val="75000"/>
+                    <a:lumMod val="65000"/>
+                    <a:lumOff val="35000"/>
                   </a:schemeClr>
                 </a:solidFill>
               </a:defRPr>
@@ -2784,8 +2699,8 @@
         </p:nvSpPr>
         <p:spPr>
           <a:xfrm>
-            <a:off x="6553200" y="6356351"/>
-            <a:ext cx="2133600" cy="365125"/>
+            <a:off x="6463145" y="6356351"/>
+            <a:ext cx="2057400" cy="365125"/>
           </a:xfrm>
           <a:prstGeom prst="rect">
             <a:avLst/>
@@ -2795,7 +2710,7 @@
           <a:bodyPr vert="horz" lIns="91440" tIns="45720" rIns="91440" bIns="45720" rtlCol="0" anchor="ctr"/>
           <a:lstStyle>
             <a:lvl1pPr algn="r">
-              <a:defRPr sz="1200">
+              <a:defRPr sz="825">
                 <a:solidFill>
                   <a:schemeClr val="tx1">
                     <a:tint val="75000"/>
@@ -2807,35 +2722,44 @@
           <a:p>
             <a:fld id="{C5EF2332-01BF-834F-8236-50238282D533}" type="slidenum">
               <a:rPr lang="en-US" smtClean="0"/>
+              <a:t>‹#›</a:t>
             </a:fld>
             <a:endParaRPr lang="en-US"/>
           </a:p>
         </p:txBody>
       </p:sp>
     </p:spTree>
+    <p:extLst>
+      <p:ext uri="{BB962C8B-B14F-4D97-AF65-F5344CB8AC3E}">
+        <p14:creationId xmlns:p14="http://schemas.microsoft.com/office/powerpoint/2010/main" val="3410146386"/>
+      </p:ext>
+    </p:extLst>
   </p:cSld>
   <p:clrMap bg1="lt1" tx1="dk1" bg2="lt2" tx2="dk2" accent1="accent1" accent2="accent2" accent3="accent3" accent4="accent4" accent5="accent5" accent6="accent6" hlink="hlink" folHlink="folHlink"/>
   <p:sldLayoutIdLst>
-    <p:sldLayoutId id="2147483649" r:id="rId1"/>
-    <p:sldLayoutId id="2147483650" r:id="rId2"/>
-    <p:sldLayoutId id="2147483651" r:id="rId3"/>
-    <p:sldLayoutId id="2147483652" r:id="rId4"/>
-    <p:sldLayoutId id="2147483653" r:id="rId5"/>
-    <p:sldLayoutId id="2147483654" r:id="rId6"/>
-    <p:sldLayoutId id="2147483655" r:id="rId7"/>
-    <p:sldLayoutId id="2147483656" r:id="rId8"/>
-    <p:sldLayoutId id="2147483657" r:id="rId9"/>
-    <p:sldLayoutId id="2147483658" r:id="rId10"/>
-    <p:sldLayoutId id="2147483659" r:id="rId11"/>
+    <p:sldLayoutId id="2147483703" r:id="rId1"/>
+    <p:sldLayoutId id="2147483704" r:id="rId2"/>
+    <p:sldLayoutId id="2147483705" r:id="rId3"/>
+    <p:sldLayoutId id="2147483706" r:id="rId4"/>
+    <p:sldLayoutId id="2147483707" r:id="rId5"/>
+    <p:sldLayoutId id="2147483708" r:id="rId6"/>
+    <p:sldLayoutId id="2147483709" r:id="rId7"/>
+    <p:sldLayoutId id="2147483710" r:id="rId8"/>
+    <p:sldLayoutId id="2147483711" r:id="rId9"/>
+    <p:sldLayoutId id="2147483712" r:id="rId10"/>
+    <p:sldLayoutId id="2147483713" r:id="rId11"/>
   </p:sldLayoutIdLst>
   <p:txStyles>
     <p:titleStyle>
-      <a:lvl1pPr algn="ctr" defTabSz="457200" rtl="0" eaLnBrk="1" latinLnBrk="0" hangingPunct="1">
+      <a:lvl1pPr algn="l" defTabSz="685800" rtl="0" eaLnBrk="1" latinLnBrk="0" hangingPunct="1">
+        <a:lnSpc>
+          <a:spcPct val="90000"/>
+        </a:lnSpc>
         <a:spcBef>
           <a:spcPct val="0"/>
         </a:spcBef>
         <a:buNone/>
-        <a:defRPr sz="4400" kern="1200">
+        <a:defRPr sz="3300" kern="1200">
           <a:solidFill>
             <a:schemeClr val="tx1"/>
           </a:solidFill>
@@ -2846,13 +2770,16 @@
       </a:lvl1pPr>
     </p:titleStyle>
     <p:bodyStyle>
-      <a:lvl1pPr marL="457200" indent="-457200" algn="l" defTabSz="457200" rtl="0" eaLnBrk="1" latinLnBrk="0" hangingPunct="1">
+      <a:lvl1pPr marL="171450" indent="-171450" algn="l" defTabSz="685800" rtl="0" eaLnBrk="1" latinLnBrk="0" hangingPunct="1">
+        <a:lnSpc>
+          <a:spcPct val="90000"/>
+        </a:lnSpc>
         <a:spcBef>
-          <a:spcPts val="130"/>
+          <a:spcPts val="750"/>
         </a:spcBef>
-        <a:buFont typeface="Arial" panose="020B0604020202020204"/>
-        <a:buChar char="•"/>
-        <a:defRPr sz="3200" kern="1200">
+        <a:buFont typeface="Wingdings 2" pitchFamily="18" charset="2"/>
+        <a:buChar char=""/>
+        <a:defRPr sz="2100" kern="1200">
           <a:solidFill>
             <a:schemeClr val="tx1"/>
           </a:solidFill>
@@ -2861,13 +2788,16 @@
           <a:cs typeface="+mn-cs"/>
         </a:defRPr>
       </a:lvl1pPr>
-      <a:lvl2pPr marL="914400" indent="-457200" algn="l" defTabSz="457200" rtl="0" eaLnBrk="1" latinLnBrk="0" hangingPunct="1">
+      <a:lvl2pPr marL="514350" indent="-171450" algn="l" defTabSz="685800" rtl="0" eaLnBrk="1" latinLnBrk="0" hangingPunct="1">
+        <a:lnSpc>
+          <a:spcPct val="90000"/>
+        </a:lnSpc>
         <a:spcBef>
-          <a:spcPts val="130"/>
+          <a:spcPts val="375"/>
         </a:spcBef>
-        <a:buFont typeface="Arial" panose="020B0604020202020204"/>
-        <a:buChar char="–"/>
-        <a:defRPr sz="2800" kern="1200">
+        <a:buFont typeface="Wingdings 2" pitchFamily="18" charset="2"/>
+        <a:buChar char=""/>
+        <a:defRPr sz="1800" kern="1200">
           <a:solidFill>
             <a:schemeClr val="tx1"/>
           </a:solidFill>
@@ -2876,13 +2806,16 @@
           <a:cs typeface="+mn-cs"/>
         </a:defRPr>
       </a:lvl2pPr>
-      <a:lvl3pPr marL="1371600" indent="-457200" algn="l" defTabSz="457200" rtl="0" eaLnBrk="1" latinLnBrk="0" hangingPunct="1">
+      <a:lvl3pPr marL="857250" indent="-171450" algn="l" defTabSz="685800" rtl="0" eaLnBrk="1" latinLnBrk="0" hangingPunct="1">
+        <a:lnSpc>
+          <a:spcPct val="90000"/>
+        </a:lnSpc>
         <a:spcBef>
-          <a:spcPts val="130"/>
+          <a:spcPts val="375"/>
         </a:spcBef>
-        <a:buFont typeface="Arial" panose="020B0604020202020204"/>
-        <a:buChar char="•"/>
-        <a:defRPr sz="2400" kern="1200">
+        <a:buFont typeface="Wingdings 2" pitchFamily="18" charset="2"/>
+        <a:buChar char=""/>
+        <a:defRPr sz="1500" kern="1200">
           <a:solidFill>
             <a:schemeClr val="tx1"/>
           </a:solidFill>
@@ -2891,13 +2824,16 @@
           <a:cs typeface="+mn-cs"/>
         </a:defRPr>
       </a:lvl3pPr>
-      <a:lvl4pPr marL="1828800" indent="-457200" algn="l" defTabSz="457200" rtl="0" eaLnBrk="1" latinLnBrk="0" hangingPunct="1">
+      <a:lvl4pPr marL="1200150" indent="-171450" algn="l" defTabSz="685800" rtl="0" eaLnBrk="1" latinLnBrk="0" hangingPunct="1">
+        <a:lnSpc>
+          <a:spcPct val="90000"/>
+        </a:lnSpc>
         <a:spcBef>
-          <a:spcPts val="130"/>
+          <a:spcPts val="375"/>
         </a:spcBef>
-        <a:buFont typeface="Arial" panose="020B0604020202020204"/>
-        <a:buChar char="–"/>
-        <a:defRPr sz="2000" kern="1200">
+        <a:buFont typeface="Wingdings 2" pitchFamily="18" charset="2"/>
+        <a:buChar char=""/>
+        <a:defRPr sz="1350" kern="1200">
           <a:solidFill>
             <a:schemeClr val="tx1"/>
           </a:solidFill>
@@ -2906,13 +2842,16 @@
           <a:cs typeface="+mn-cs"/>
         </a:defRPr>
       </a:lvl4pPr>
-      <a:lvl5pPr marL="2286000" indent="-457200" algn="l" defTabSz="457200" rtl="0" eaLnBrk="1" latinLnBrk="0" hangingPunct="1">
+      <a:lvl5pPr marL="1543050" indent="-171450" algn="l" defTabSz="685800" rtl="0" eaLnBrk="1" latinLnBrk="0" hangingPunct="1">
+        <a:lnSpc>
+          <a:spcPct val="90000"/>
+        </a:lnSpc>
         <a:spcBef>
-          <a:spcPts val="130"/>
+          <a:spcPts val="375"/>
         </a:spcBef>
-        <a:buFont typeface="Arial" panose="020B0604020202020204"/>
-        <a:buChar char="»"/>
-        <a:defRPr sz="2000" kern="1200">
+        <a:buFont typeface="Wingdings 2" pitchFamily="18" charset="2"/>
+        <a:buChar char=""/>
+        <a:defRPr sz="1350" kern="1200">
           <a:solidFill>
             <a:schemeClr val="tx1"/>
           </a:solidFill>
@@ -2921,13 +2860,13 @@
           <a:cs typeface="+mn-cs"/>
         </a:defRPr>
       </a:lvl5pPr>
-      <a:lvl6pPr marL="2743200" indent="-457200" algn="l" defTabSz="457200" rtl="0" eaLnBrk="1" latinLnBrk="0" hangingPunct="1">
+      <a:lvl6pPr marL="1885950" indent="-171450" algn="l" defTabSz="685800" rtl="0" eaLnBrk="1" latinLnBrk="0" hangingPunct="1">
         <a:spcBef>
-          <a:spcPts val="130"/>
+          <a:spcPct val="20000"/>
         </a:spcBef>
-        <a:buFont typeface="Arial" panose="020B0604020202020204"/>
-        <a:buChar char="•"/>
-        <a:defRPr sz="2000" kern="1200">
+        <a:buFont typeface="Wingdings 2" pitchFamily="18" charset="2"/>
+        <a:buChar char=""/>
+        <a:defRPr sz="1350" kern="1200">
           <a:solidFill>
             <a:schemeClr val="tx1"/>
           </a:solidFill>
@@ -2936,13 +2875,13 @@
           <a:cs typeface="+mn-cs"/>
         </a:defRPr>
       </a:lvl6pPr>
-      <a:lvl7pPr marL="3200400" indent="-457200" algn="l" defTabSz="457200" rtl="0" eaLnBrk="1" latinLnBrk="0" hangingPunct="1">
+      <a:lvl7pPr marL="2228850" indent="-171450" algn="l" defTabSz="685800" rtl="0" eaLnBrk="1" latinLnBrk="0" hangingPunct="1">
         <a:spcBef>
-          <a:spcPts val="130"/>
+          <a:spcPct val="20000"/>
         </a:spcBef>
-        <a:buFont typeface="Arial" panose="020B0604020202020204"/>
-        <a:buChar char="•"/>
-        <a:defRPr sz="2000" kern="1200">
+        <a:buFont typeface="Wingdings 2" pitchFamily="18" charset="2"/>
+        <a:buChar char=""/>
+        <a:defRPr sz="1350" kern="1200">
           <a:solidFill>
             <a:schemeClr val="tx1"/>
           </a:solidFill>
@@ -2951,13 +2890,13 @@
           <a:cs typeface="+mn-cs"/>
         </a:defRPr>
       </a:lvl7pPr>
-      <a:lvl8pPr marL="3657600" indent="-457200" algn="l" defTabSz="457200" rtl="0" eaLnBrk="1" latinLnBrk="0" hangingPunct="1">
+      <a:lvl8pPr marL="2571750" indent="-171450" algn="l" defTabSz="685800" rtl="0" eaLnBrk="1" latinLnBrk="0" hangingPunct="1">
         <a:spcBef>
-          <a:spcPts val="130"/>
+          <a:spcPct val="20000"/>
         </a:spcBef>
-        <a:buFont typeface="Arial" panose="020B0604020202020204"/>
-        <a:buChar char="•"/>
-        <a:defRPr sz="2000" kern="1200">
+        <a:buFont typeface="Wingdings 2" pitchFamily="18" charset="2"/>
+        <a:buChar char=""/>
+        <a:defRPr sz="1350" kern="1200">
           <a:solidFill>
             <a:schemeClr val="tx1"/>
           </a:solidFill>
@@ -2966,13 +2905,13 @@
           <a:cs typeface="+mn-cs"/>
         </a:defRPr>
       </a:lvl8pPr>
-      <a:lvl9pPr marL="4114800" indent="-457200" algn="l" defTabSz="457200" rtl="0" eaLnBrk="1" latinLnBrk="0" hangingPunct="1">
+      <a:lvl9pPr marL="2914650" indent="-171450" algn="l" defTabSz="685800" rtl="0" eaLnBrk="1" latinLnBrk="0" hangingPunct="1">
         <a:spcBef>
-          <a:spcPts val="130"/>
+          <a:spcPct val="20000"/>
         </a:spcBef>
-        <a:buFont typeface="Arial" panose="020B0604020202020204"/>
-        <a:buChar char="•"/>
-        <a:defRPr sz="2000" kern="1200">
+        <a:buFont typeface="Wingdings 2" pitchFamily="18" charset="2"/>
+        <a:buChar char=""/>
+        <a:defRPr sz="1350" kern="1200">
           <a:solidFill>
             <a:schemeClr val="tx1"/>
           </a:solidFill>
@@ -2986,8 +2925,8 @@
       <a:defPPr>
         <a:defRPr lang="en-US"/>
       </a:defPPr>
-      <a:lvl1pPr marL="0" algn="l" defTabSz="457200" rtl="0" eaLnBrk="1" latinLnBrk="0" hangingPunct="1">
-        <a:defRPr sz="1800" kern="1200">
+      <a:lvl1pPr marL="0" algn="l" defTabSz="685800" rtl="0" eaLnBrk="1" latinLnBrk="0" hangingPunct="1">
+        <a:defRPr sz="1350" kern="1200">
           <a:solidFill>
             <a:schemeClr val="tx1"/>
           </a:solidFill>
@@ -2996,8 +2935,8 @@
           <a:cs typeface="+mn-cs"/>
         </a:defRPr>
       </a:lvl1pPr>
-      <a:lvl2pPr marL="457200" algn="l" defTabSz="457200" rtl="0" eaLnBrk="1" latinLnBrk="0" hangingPunct="1">
-        <a:defRPr sz="1800" kern="1200">
+      <a:lvl2pPr marL="342900" algn="l" defTabSz="685800" rtl="0" eaLnBrk="1" latinLnBrk="0" hangingPunct="1">
+        <a:defRPr sz="1350" kern="1200">
           <a:solidFill>
             <a:schemeClr val="tx1"/>
           </a:solidFill>
@@ -3006,8 +2945,8 @@
           <a:cs typeface="+mn-cs"/>
         </a:defRPr>
       </a:lvl2pPr>
-      <a:lvl3pPr marL="914400" algn="l" defTabSz="457200" rtl="0" eaLnBrk="1" latinLnBrk="0" hangingPunct="1">
-        <a:defRPr sz="1800" kern="1200">
+      <a:lvl3pPr marL="685800" algn="l" defTabSz="685800" rtl="0" eaLnBrk="1" latinLnBrk="0" hangingPunct="1">
+        <a:defRPr sz="1350" kern="1200">
           <a:solidFill>
             <a:schemeClr val="tx1"/>
           </a:solidFill>
@@ -3016,8 +2955,8 @@
           <a:cs typeface="+mn-cs"/>
         </a:defRPr>
       </a:lvl3pPr>
-      <a:lvl4pPr marL="1371600" algn="l" defTabSz="457200" rtl="0" eaLnBrk="1" latinLnBrk="0" hangingPunct="1">
-        <a:defRPr sz="1800" kern="1200">
+      <a:lvl4pPr marL="1028700" algn="l" defTabSz="685800" rtl="0" eaLnBrk="1" latinLnBrk="0" hangingPunct="1">
+        <a:defRPr sz="1350" kern="1200">
           <a:solidFill>
             <a:schemeClr val="tx1"/>
           </a:solidFill>
@@ -3026,8 +2965,8 @@
           <a:cs typeface="+mn-cs"/>
         </a:defRPr>
       </a:lvl4pPr>
-      <a:lvl5pPr marL="1828800" algn="l" defTabSz="457200" rtl="0" eaLnBrk="1" latinLnBrk="0" hangingPunct="1">
-        <a:defRPr sz="1800" kern="1200">
+      <a:lvl5pPr marL="1371600" algn="l" defTabSz="685800" rtl="0" eaLnBrk="1" latinLnBrk="0" hangingPunct="1">
+        <a:defRPr sz="1350" kern="1200">
           <a:solidFill>
             <a:schemeClr val="tx1"/>
           </a:solidFill>
@@ -3036,8 +2975,8 @@
           <a:cs typeface="+mn-cs"/>
         </a:defRPr>
       </a:lvl5pPr>
-      <a:lvl6pPr marL="2286000" algn="l" defTabSz="457200" rtl="0" eaLnBrk="1" latinLnBrk="0" hangingPunct="1">
-        <a:defRPr sz="1800" kern="1200">
+      <a:lvl6pPr marL="1714500" algn="l" defTabSz="685800" rtl="0" eaLnBrk="1" latinLnBrk="0" hangingPunct="1">
+        <a:defRPr sz="1350" kern="1200">
           <a:solidFill>
             <a:schemeClr val="tx1"/>
           </a:solidFill>
@@ -3046,8 +2985,8 @@
           <a:cs typeface="+mn-cs"/>
         </a:defRPr>
       </a:lvl6pPr>
-      <a:lvl7pPr marL="2743200" algn="l" defTabSz="457200" rtl="0" eaLnBrk="1" latinLnBrk="0" hangingPunct="1">
-        <a:defRPr sz="1800" kern="1200">
+      <a:lvl7pPr marL="2057400" algn="l" defTabSz="685800" rtl="0" eaLnBrk="1" latinLnBrk="0" hangingPunct="1">
+        <a:defRPr sz="1350" kern="1200">
           <a:solidFill>
             <a:schemeClr val="tx1"/>
           </a:solidFill>
@@ -3056,8 +2995,8 @@
           <a:cs typeface="+mn-cs"/>
         </a:defRPr>
       </a:lvl7pPr>
-      <a:lvl8pPr marL="3200400" algn="l" defTabSz="457200" rtl="0" eaLnBrk="1" latinLnBrk="0" hangingPunct="1">
-        <a:defRPr sz="1800" kern="1200">
+      <a:lvl8pPr marL="2400300" algn="l" defTabSz="685800" rtl="0" eaLnBrk="1" latinLnBrk="0" hangingPunct="1">
+        <a:defRPr sz="1350" kern="1200">
           <a:solidFill>
             <a:schemeClr val="tx1"/>
           </a:solidFill>
@@ -3066,8 +3005,8 @@
           <a:cs typeface="+mn-cs"/>
         </a:defRPr>
       </a:lvl8pPr>
-      <a:lvl9pPr marL="3657600" algn="l" defTabSz="457200" rtl="0" eaLnBrk="1" latinLnBrk="0" hangingPunct="1">
-        <a:defRPr sz="1800" kern="1200">
+      <a:lvl9pPr marL="2743200" algn="l" defTabSz="685800" rtl="0" eaLnBrk="1" latinLnBrk="0" hangingPunct="1">
+        <a:defRPr sz="1350" kern="1200">
           <a:solidFill>
             <a:schemeClr val="tx1"/>
           </a:solidFill>
@@ -3115,7 +3054,9 @@
           </a:xfrm>
         </p:spPr>
         <p:txBody>
-          <a:bodyPr/>
+          <a:bodyPr>
+            <a:normAutofit fontScale="90000"/>
+          </a:bodyPr>
           <a:lstStyle/>
           <a:p>
             <a:pPr marL="0" lvl="0" indent="0">
@@ -3150,7 +3091,13 @@
             <a:pPr marL="0" lvl="0" indent="0">
               <a:buNone/>
             </a:pPr>
+            <a:r>
+              <a:t/>
+            </a:r>
             <a:br/>
+            <a:r>
+              <a:t/>
+            </a:r>
             <a:br/>
             <a:r>
               <a:t>Wai-Shing Luk</a:t>
@@ -3220,7 +3167,7 @@
         <p:spPr/>
         <p:txBody>
           <a:bodyPr>
-            <a:normAutofit lnSpcReduction="20000"/>
+            <a:normAutofit/>
           </a:bodyPr>
           <a:lstStyle/>
           <a:p>
@@ -3238,6 +3185,12 @@
                 <a:latin typeface="Courier"/>
               </a:rPr>
             </a:br>
+            <a:r>
+              <a:rPr>
+                <a:latin typeface="Courier"/>
+              </a:rPr>
+              <a:t/>
+            </a:r>
             <a:br>
               <a:rPr>
                 <a:latin typeface="Courier"/>
@@ -3254,6 +3207,12 @@
                 <a:latin typeface="Courier"/>
               </a:rPr>
             </a:br>
+            <a:r>
+              <a:rPr>
+                <a:latin typeface="Courier"/>
+              </a:rPr>
+              <a:t/>
+            </a:r>
             <a:br>
               <a:rPr>
                 <a:latin typeface="Courier"/>
@@ -3270,6 +3229,12 @@
                 <a:latin typeface="Courier"/>
               </a:rPr>
             </a:br>
+            <a:r>
+              <a:rPr>
+                <a:latin typeface="Courier"/>
+              </a:rPr>
+              <a:t/>
+            </a:r>
             <a:br>
               <a:rPr>
                 <a:latin typeface="Courier"/>
@@ -3286,6 +3251,12 @@
                 <a:latin typeface="Courier"/>
               </a:rPr>
             </a:br>
+            <a:r>
+              <a:rPr>
+                <a:latin typeface="Courier"/>
+              </a:rPr>
+              <a:t/>
+            </a:r>
             <a:br>
               <a:rPr>
                 <a:latin typeface="Courier"/>
@@ -3302,6 +3273,12 @@
                 <a:latin typeface="Courier"/>
               </a:rPr>
             </a:br>
+            <a:r>
+              <a:rPr>
+                <a:latin typeface="Courier"/>
+              </a:rPr>
+              <a:t/>
+            </a:r>
             <a:br>
               <a:rPr>
                 <a:latin typeface="Courier"/>
@@ -3313,9 +3290,6 @@
               </a:rPr>
               <a:t>\columnsend</a:t>
             </a:r>
-            <a:endParaRPr>
-              <a:latin typeface="Courier"/>
-            </a:endParaRPr>
           </a:p>
         </p:txBody>
       </p:sp>
@@ -3409,9 +3383,6 @@
               </a:rPr>
               <a:t>{#fig:figure0}</a:t>
             </a:r>
-            <a:endParaRPr>
-              <a:latin typeface="Courier"/>
-            </a:endParaRPr>
           </a:p>
         </p:txBody>
       </p:sp>
@@ -3473,7 +3444,7 @@
           <p:nvPr/>
         </p:nvPicPr>
         <p:blipFill>
-          <a:blip r:embed="rId1"/>
+          <a:blip r:embed="rId2"/>
           <a:stretch>
             <a:fillRect/>
           </a:stretch>
@@ -3611,9 +3582,6 @@
               </a:rPr>
               <a:t>\</a:t>
             </a:r>
-            <a:endParaRPr>
-              <a:latin typeface="Courier"/>
-            </a:endParaRPr>
           </a:p>
         </p:txBody>
       </p:sp>
@@ -3675,7 +3643,7 @@
           <p:nvPr/>
         </p:nvPicPr>
         <p:blipFill>
-          <a:blip r:embed="rId1"/>
+          <a:blip r:embed="rId2"/>
           <a:stretch>
             <a:fillRect/>
           </a:stretch>
@@ -3760,7 +3728,9 @@
         </p:nvSpPr>
         <p:spPr/>
         <p:txBody>
-          <a:bodyPr/>
+          <a:bodyPr>
+            <a:normAutofit/>
+          </a:bodyPr>
           <a:lstStyle/>
           <a:p>
             <a:pPr marL="0" lvl="0" indent="0">
@@ -3925,9 +3895,6 @@
               </a:rPr>
               <a:t>{figure}</a:t>
             </a:r>
-            <a:endParaRPr>
-              <a:latin typeface="Courier"/>
-            </a:endParaRPr>
           </a:p>
         </p:txBody>
       </p:sp>
@@ -3968,7 +3935,9 @@
         </p:nvSpPr>
         <p:spPr/>
         <p:txBody>
-          <a:bodyPr/>
+          <a:bodyPr>
+            <a:normAutofit/>
+          </a:bodyPr>
           <a:lstStyle/>
           <a:p>
             <a:pPr marL="0" lvl="0" indent="0">
@@ -4042,7 +4011,7 @@
         <p:spPr/>
         <p:txBody>
           <a:bodyPr>
-            <a:normAutofit fontScale="70000"/>
+            <a:normAutofit/>
           </a:bodyPr>
           <a:lstStyle/>
           <a:p>
@@ -4429,6 +4398,15 @@
                 <a:latin typeface="Courier"/>
               </a:rPr>
             </a:br>
+            <a:r>
+              <a:rPr>
+                <a:solidFill>
+                  <a:srgbClr val="BC7A00"/>
+                </a:solidFill>
+                <a:latin typeface="Courier"/>
+              </a:rPr>
+              <a:t/>
+            </a:r>
             <a:br>
               <a:rPr>
                 <a:solidFill>
@@ -4454,9 +4432,6 @@
               </a:rPr>
               <a:t>  costs {#tbl:fab}</a:t>
             </a:r>
-            <a:endParaRPr>
-              <a:latin typeface="Courier"/>
-            </a:endParaRPr>
           </a:p>
         </p:txBody>
       </p:sp>
@@ -4530,9 +4505,27 @@
                 <a:tableStyleId>{5C22544A-7EE6-4342-B048-85BDC9FD1C3A}</a:tableStyleId>
               </a:tblPr>
               <a:tblGrid>
-                <a:gridCol w="2743200"/>
-                <a:gridCol w="2743200"/>
-                <a:gridCol w="2743200"/>
+                <a:gridCol w="2743200">
+                  <a:extLst>
+                    <a:ext uri="{9D8B030D-6E8A-4147-A177-3AD203B41FA5}">
+                      <a16:colId xmlns:a16="http://schemas.microsoft.com/office/drawing/2014/main" val="20000"/>
+                    </a:ext>
+                  </a:extLst>
+                </a:gridCol>
+                <a:gridCol w="2743200">
+                  <a:extLst>
+                    <a:ext uri="{9D8B030D-6E8A-4147-A177-3AD203B41FA5}">
+                      <a16:colId xmlns:a16="http://schemas.microsoft.com/office/drawing/2014/main" val="20001"/>
+                    </a:ext>
+                  </a:extLst>
+                </a:gridCol>
+                <a:gridCol w="2743200">
+                  <a:extLst>
+                    <a:ext uri="{9D8B030D-6E8A-4147-A177-3AD203B41FA5}">
+                      <a16:colId xmlns:a16="http://schemas.microsoft.com/office/drawing/2014/main" val="20002"/>
+                    </a:ext>
+                  </a:extLst>
+                </a:gridCol>
               </a:tblGrid>
               <a:tr h="678180">
                 <a:tc>
@@ -4580,6 +4573,11 @@
                   </a:txBody>
                   <a:tcPr/>
                 </a:tc>
+                <a:extLst>
+                  <a:ext uri="{0D108BD9-81ED-4DB2-BD59-A6C34878D82A}">
+                    <a16:rowId xmlns:a16="http://schemas.microsoft.com/office/drawing/2014/main" val="10000"/>
+                  </a:ext>
+                </a:extLst>
               </a:tr>
               <a:tr h="678180">
                 <a:tc>
@@ -4627,6 +4625,11 @@
                   </a:txBody>
                   <a:tcPr/>
                 </a:tc>
+                <a:extLst>
+                  <a:ext uri="{0D108BD9-81ED-4DB2-BD59-A6C34878D82A}">
+                    <a16:rowId xmlns:a16="http://schemas.microsoft.com/office/drawing/2014/main" val="10001"/>
+                  </a:ext>
+                </a:extLst>
               </a:tr>
               <a:tr h="678180">
                 <a:tc>
@@ -4674,6 +4677,11 @@
                   </a:txBody>
                   <a:tcPr/>
                 </a:tc>
+                <a:extLst>
+                  <a:ext uri="{0D108BD9-81ED-4DB2-BD59-A6C34878D82A}">
+                    <a16:rowId xmlns:a16="http://schemas.microsoft.com/office/drawing/2014/main" val="10002"/>
+                  </a:ext>
+                </a:extLst>
               </a:tr>
               <a:tr h="678180">
                 <a:tc>
@@ -4721,6 +4729,11 @@
                   </a:txBody>
                   <a:tcPr/>
                 </a:tc>
+                <a:extLst>
+                  <a:ext uri="{0D108BD9-81ED-4DB2-BD59-A6C34878D82A}">
+                    <a16:rowId xmlns:a16="http://schemas.microsoft.com/office/drawing/2014/main" val="10003"/>
+                  </a:ext>
+                </a:extLst>
               </a:tr>
               <a:tr h="678180">
                 <a:tc>
@@ -4768,6 +4781,11 @@
                   </a:txBody>
                   <a:tcPr/>
                 </a:tc>
+                <a:extLst>
+                  <a:ext uri="{0D108BD9-81ED-4DB2-BD59-A6C34878D82A}">
+                    <a16:rowId xmlns:a16="http://schemas.microsoft.com/office/drawing/2014/main" val="10004"/>
+                  </a:ext>
+                </a:extLst>
               </a:tr>
             </a:tbl>
           </a:graphicData>
@@ -4972,7 +4990,7 @@
             </a:r>
             <a:r>
               <a:rPr>
-                <a:hlinkClick r:id="rId1" action="ppaction://hlinksldjump"/>
+                <a:hlinkClick r:id="rId2" action="ppaction://hlinksldjump"/>
               </a:rPr>
               <a:t>1.1</a:t>
             </a:r>
@@ -4981,7 +4999,7 @@
             </a:r>
             <a:r>
               <a:rPr>
-                <a:hlinkClick r:id="rId2" action="ppaction://hlinksldjump"/>
+                <a:hlinkClick r:id="rId3" action="ppaction://hlinksldjump"/>
               </a:rPr>
               <a:t>2.1</a:t>
             </a:r>
@@ -5072,9 +5090,6 @@
               </a:rPr>
               <a:t> intro.pdf</a:t>
             </a:r>
-            <a:endParaRPr>
-              <a:latin typeface="Courier"/>
-            </a:endParaRPr>
           </a:p>
         </p:txBody>
       </p:sp>
@@ -5130,9 +5145,6 @@
               </a:rPr>
               <a:t>crossref.yaml</a:t>
             </a:r>
-            <a:endParaRPr>
-              <a:latin typeface="Courier"/>
-            </a:endParaRPr>
           </a:p>
         </p:txBody>
       </p:sp>
@@ -5149,7 +5161,7 @@
         <p:spPr/>
         <p:txBody>
           <a:bodyPr>
-            <a:normAutofit fontScale="40000"/>
+            <a:normAutofit fontScale="92500" lnSpcReduction="20000"/>
           </a:bodyPr>
           <a:lstStyle/>
           <a:p>
@@ -5822,12 +5834,6 @@
               </a:rPr>
               <a:t>...</a:t>
             </a:r>
-            <a:endParaRPr i="1">
-              <a:solidFill>
-                <a:srgbClr val="60A0B0"/>
-              </a:solidFill>
-              <a:latin typeface="Courier"/>
-            </a:endParaRPr>
           </a:p>
         </p:txBody>
       </p:sp>
@@ -5916,9 +5922,6 @@
               </a:rPr>
               <a:t>{#lst:label}</a:t>
             </a:r>
-            <a:endParaRPr>
-              <a:latin typeface="Courier"/>
-            </a:endParaRPr>
           </a:p>
         </p:txBody>
       </p:sp>
@@ -5995,7 +5998,7 @@
         </p:spPr>
         <p:txBody>
           <a:bodyPr>
-            <a:normAutofit lnSpcReduction="10000"/>
+            <a:normAutofit/>
           </a:bodyPr>
           <a:lstStyle/>
           <a:p>
@@ -6105,12 +6108,6 @@
               </a:rPr>
               <a:t>"Hello World!"</a:t>
             </a:r>
-            <a:endParaRPr>
-              <a:solidFill>
-                <a:srgbClr val="4070A0"/>
-              </a:solidFill>
-              <a:latin typeface="Courier"/>
-            </a:endParaRPr>
           </a:p>
           <a:p>
             <a:pPr marL="0" lvl="0" indent="0">
@@ -6130,9 +6127,6 @@
               </a:rPr>
               <a:t>{#lst:captionAttr .haskell caption="Listing caption A"}</a:t>
             </a:r>
-            <a:endParaRPr>
-              <a:latin typeface="Courier"/>
-            </a:endParaRPr>
           </a:p>
         </p:txBody>
       </p:sp>
@@ -6326,12 +6320,6 @@
               </a:rPr>
               <a:t>"Hello World!"</a:t>
             </a:r>
-            <a:endParaRPr>
-              <a:solidFill>
-                <a:srgbClr val="4070A0"/>
-              </a:solidFill>
-              <a:latin typeface="Courier"/>
-            </a:endParaRPr>
           </a:p>
         </p:txBody>
       </p:sp>
@@ -6457,7 +6445,7 @@
         <p:spPr/>
         <p:txBody>
           <a:bodyPr>
-            <a:normAutofit fontScale="70000"/>
+            <a:normAutofit/>
           </a:bodyPr>
           <a:lstStyle/>
           <a:p>
@@ -6549,9 +6537,6 @@
               </a:rPr>
               <a:t>.</a:t>
             </a:r>
-            <a:endParaRPr>
-              <a:latin typeface="Courier"/>
-            </a:endParaRPr>
           </a:p>
           <a:p>
             <a:pPr marL="0" lvl="0" indent="0">
@@ -6654,9 +6639,6 @@
               </a:rPr>
               <a:t> intro.pdf</a:t>
             </a:r>
-            <a:endParaRPr>
-              <a:latin typeface="Courier"/>
-            </a:endParaRPr>
           </a:p>
         </p:txBody>
       </p:sp>
@@ -6722,7 +6704,7 @@
         <p:spPr/>
         <p:txBody>
           <a:bodyPr>
-            <a:normAutofit fontScale="70000"/>
+            <a:normAutofit/>
           </a:bodyPr>
           <a:lstStyle/>
           <a:p>
@@ -6741,7 +6723,7 @@
             </a:r>
             <a:r>
               <a:rPr>
-                <a:hlinkClick r:id="rId1"/>
+                <a:hlinkClick r:id="rId2"/>
               </a:rPr>
               <a:t>https://doi.org/10.1109/TKDE.2004.47</a:t>
             </a:r>
@@ -6765,7 +6747,7 @@
             </a:r>
             <a:r>
               <a:rPr>
-                <a:hlinkClick r:id="rId2"/>
+                <a:hlinkClick r:id="rId3"/>
               </a:rPr>
               <a:t>https://doi.org/10.1145/1449955.1449807</a:t>
             </a:r>
@@ -6789,7 +6771,7 @@
             </a:r>
             <a:r>
               <a:rPr>
-                <a:hlinkClick r:id="rId3"/>
+                <a:hlinkClick r:id="rId4"/>
               </a:rPr>
               <a:t>https://doi.org/10.1109/METRICS.2005.28</a:t>
             </a:r>
@@ -6870,7 +6852,6 @@
               <a:rPr sz="1800"/>
               <a:t>1. This is a footnote.</a:t>
             </a:r>
-            <a:endParaRPr sz="1800"/>
           </a:p>
         </p:txBody>
       </p:sp>
@@ -6948,7 +6929,6 @@
               <a:rPr b="1"/>
               <a:t>Why Markup Language?</a:t>
             </a:r>
-            <a:endParaRPr b="1"/>
           </a:p>
           <a:p>
             <a:pPr lvl="0"/>
@@ -6967,7 +6947,6 @@
               <a:rPr b="1"/>
               <a:t>Why Pandoc and Beamer?</a:t>
             </a:r>
-            <a:endParaRPr b="1"/>
           </a:p>
           <a:p>
             <a:pPr lvl="0"/>
@@ -7041,9 +7020,6 @@
               </a:rPr>
               <a:t>intro.md</a:t>
             </a:r>
-            <a:endParaRPr>
-              <a:latin typeface="Courier"/>
-            </a:endParaRPr>
           </a:p>
         </p:txBody>
       </p:sp>
@@ -7060,7 +7036,7 @@
         <p:spPr/>
         <p:txBody>
           <a:bodyPr>
-            <a:normAutofit fontScale="50000"/>
+            <a:normAutofit fontScale="87500" lnSpcReduction="10000"/>
           </a:bodyPr>
           <a:lstStyle/>
           <a:p>
@@ -7179,6 +7155,15 @@
                 <a:latin typeface="Courier"/>
               </a:rPr>
             </a:br>
+            <a:r>
+              <a:rPr i="1">
+                <a:solidFill>
+                  <a:srgbClr val="60A0B0"/>
+                </a:solidFill>
+                <a:latin typeface="Courier"/>
+              </a:rPr>
+              <a:t/>
+            </a:r>
             <a:br>
               <a:rPr i="1">
                 <a:solidFill>
@@ -7204,6 +7189,15 @@
                 <a:latin typeface="Courier"/>
               </a:rPr>
             </a:br>
+            <a:r>
+              <a:rPr>
+                <a:solidFill>
+                  <a:srgbClr val="06287E"/>
+                </a:solidFill>
+                <a:latin typeface="Courier"/>
+              </a:rPr>
+              <a:t/>
+            </a:r>
             <a:br>
               <a:rPr>
                 <a:solidFill>
@@ -7229,6 +7223,15 @@
                 <a:latin typeface="Courier"/>
               </a:rPr>
             </a:br>
+            <a:r>
+              <a:rPr>
+                <a:solidFill>
+                  <a:srgbClr val="06287E"/>
+                </a:solidFill>
+                <a:latin typeface="Courier"/>
+              </a:rPr>
+              <a:t/>
+            </a:r>
             <a:br>
               <a:rPr>
                 <a:solidFill>
@@ -7254,6 +7257,15 @@
                 <a:latin typeface="Courier"/>
               </a:rPr>
             </a:br>
+            <a:r>
+              <a:rPr>
+                <a:solidFill>
+                  <a:srgbClr val="06287E"/>
+                </a:solidFill>
+                <a:latin typeface="Courier"/>
+              </a:rPr>
+              <a:t/>
+            </a:r>
             <a:br>
               <a:rPr>
                 <a:solidFill>
@@ -7282,6 +7294,12 @@
                 <a:latin typeface="Courier"/>
               </a:rPr>
             </a:br>
+            <a:r>
+              <a:rPr>
+                <a:latin typeface="Courier"/>
+              </a:rPr>
+              <a:t/>
+            </a:r>
             <a:br>
               <a:rPr>
                 <a:latin typeface="Courier"/>
@@ -7304,6 +7322,15 @@
                 <a:latin typeface="Courier"/>
               </a:rPr>
             </a:br>
+            <a:r>
+              <a:rPr>
+                <a:solidFill>
+                  <a:srgbClr val="06287E"/>
+                </a:solidFill>
+                <a:latin typeface="Courier"/>
+              </a:rPr>
+              <a:t/>
+            </a:r>
             <a:br>
               <a:rPr>
                 <a:solidFill>
@@ -7347,9 +7374,6 @@
               </a:rPr>
               <a:t>Tikz diagrams.</a:t>
             </a:r>
-            <a:endParaRPr>
-              <a:latin typeface="Courier"/>
-            </a:endParaRPr>
           </a:p>
         </p:txBody>
       </p:sp>
@@ -7407,9 +7431,6 @@
               </a:rPr>
               <a:t>pandoc</a:t>
             </a:r>
-            <a:endParaRPr>
-              <a:latin typeface="Courier"/>
-            </a:endParaRPr>
           </a:p>
         </p:txBody>
       </p:sp>
@@ -7475,7 +7496,7 @@
         <p:spPr/>
         <p:txBody>
           <a:bodyPr>
-            <a:normAutofit fontScale="90000" lnSpcReduction="10000"/>
+            <a:normAutofit fontScale="97500"/>
           </a:bodyPr>
           <a:lstStyle/>
           <a:p>
@@ -7494,7 +7515,7 @@
             </a:r>
             <a:r>
               <a:rPr baseline="30000">
-                <a:hlinkClick r:id="rId1" action="ppaction://hlinksldjump"/>
+                <a:hlinkClick r:id="rId2" action="ppaction://hlinksldjump"/>
               </a:rPr>
               <a:t>1</a:t>
             </a:r>
@@ -7565,9 +7586,6 @@
               </a:rPr>
               <a:t> intro.tex</a:t>
             </a:r>
-            <a:endParaRPr>
-              <a:latin typeface="Courier"/>
-            </a:endParaRPr>
           </a:p>
           <a:p>
             <a:pPr marL="0" lvl="0" indent="0">
@@ -7617,9 +7635,6 @@
               </a:rPr>
               <a:t> intro.pdf</a:t>
             </a:r>
-            <a:endParaRPr>
-              <a:latin typeface="Courier"/>
-            </a:endParaRPr>
           </a:p>
         </p:txBody>
       </p:sp>
@@ -7660,7 +7675,9 @@
         </p:nvSpPr>
         <p:spPr/>
         <p:txBody>
-          <a:bodyPr/>
+          <a:bodyPr>
+            <a:normAutofit/>
+          </a:bodyPr>
           <a:lstStyle/>
           <a:p>
             <a:pPr marL="0" lvl="0" indent="0">
@@ -7675,9 +7692,6 @@
               </a:rPr>
               <a:t>beamer.yaml</a:t>
             </a:r>
-            <a:endParaRPr>
-              <a:latin typeface="Courier"/>
-            </a:endParaRPr>
           </a:p>
         </p:txBody>
       </p:sp>
@@ -7694,7 +7708,7 @@
         <p:spPr/>
         <p:txBody>
           <a:bodyPr>
-            <a:normAutofit fontScale="40000"/>
+            <a:normAutofit fontScale="85000" lnSpcReduction="20000"/>
           </a:bodyPr>
           <a:lstStyle/>
           <a:p>
@@ -8331,12 +8345,6 @@
               </a:rPr>
               <a:t>...</a:t>
             </a:r>
-            <a:endParaRPr i="1">
-              <a:solidFill>
-                <a:srgbClr val="60A0B0"/>
-              </a:solidFill>
-              <a:latin typeface="Courier"/>
-            </a:endParaRPr>
           </a:p>
         </p:txBody>
       </p:sp>
@@ -8402,7 +8410,7 @@
         <p:spPr/>
         <p:txBody>
           <a:bodyPr>
-            <a:normAutofit fontScale="90000" lnSpcReduction="10000"/>
+            <a:normAutofit fontScale="97500"/>
           </a:bodyPr>
           <a:lstStyle/>
           <a:p>
@@ -8420,6 +8428,12 @@
                 <a:latin typeface="Courier"/>
               </a:rPr>
             </a:br>
+            <a:r>
+              <a:rPr>
+                <a:latin typeface="Courier"/>
+              </a:rPr>
+              <a:t/>
+            </a:r>
             <a:br>
               <a:rPr>
                 <a:latin typeface="Courier"/>
@@ -8610,6 +8624,12 @@
                 <a:latin typeface="Courier"/>
               </a:rPr>
             </a:br>
+            <a:r>
+              <a:rPr>
+                <a:latin typeface="Courier"/>
+              </a:rPr>
+              <a:t/>
+            </a:r>
             <a:br>
               <a:rPr>
                 <a:latin typeface="Courier"/>
@@ -8706,9 +8726,6 @@
               </a:rPr>
               <a:t>  positive semidefinite.</a:t>
             </a:r>
-            <a:endParaRPr>
-              <a:latin typeface="Courier"/>
-            </a:endParaRPr>
           </a:p>
         </p:txBody>
       </p:sp>
@@ -8749,7 +8766,9 @@
         </p:nvSpPr>
         <p:spPr/>
         <p:txBody>
-          <a:bodyPr/>
+          <a:bodyPr>
+            <a:normAutofit/>
+          </a:bodyPr>
           <a:lstStyle/>
           <a:p>
             <a:pPr marL="0" lvl="0" indent="0">
@@ -8761,8 +8780,8 @@
           </a:p>
         </p:txBody>
       </p:sp>
-      <mc:AlternateContent xmlns:mc="http://schemas.openxmlformats.org/markup-compatibility/2006">
-        <mc:Choice xmlns:a14="http://schemas.microsoft.com/office/drawing/2010/main" Requires="a14">
+      <mc:AlternateContent xmlns:mc="http://schemas.openxmlformats.org/markup-compatibility/2006" xmlns:a14="http://schemas.microsoft.com/office/drawing/2010/main">
+        <mc:Choice Requires="a14">
           <p:sp>
             <p:nvSpPr>
               <p:cNvPr id="3" name="Content Placeholder 2"/>
@@ -8797,17 +8816,19 @@
                     <m:oMath xmlns:m="http://schemas.openxmlformats.org/officeDocument/2006/math">
                       <m:m>
                         <m:mPr>
+                          <m:plcHide m:val="on"/>
                           <m:mcs>
                             <m:mc>
                               <m:mcPr>
                                 <m:count m:val="2"/>
-                                <m:mcJc m:val="left"/>
+                                <m:mcJc m:val="center"/>
                               </m:mcPr>
                             </m:mc>
                           </m:mcs>
-                          <m:plcHide m:val="on"/>
                           <m:ctrlPr>
-                            <a:rPr/>
+                            <a:rPr i="1">
+                              <a:latin typeface="Cambria Math" panose="02040503050406030204" pitchFamily="18" charset="0"/>
+                            </a:rPr>
                           </m:ctrlPr>
                         </m:mPr>
                         <m:mr>
@@ -8826,7 +8847,9 @@
                             <m:sSub>
                               <m:sSubPr>
                                 <m:ctrlPr>
-                                  <a:rPr/>
+                                  <a:rPr i="1">
+                                    <a:latin typeface="Cambria Math" panose="02040503050406030204" pitchFamily="18" charset="0"/>
+                                  </a:rPr>
                                 </m:ctrlPr>
                               </m:sSubPr>
                               <m:e>
@@ -8848,9 +8871,10 @@
                             </m:sSub>
                             <m:d>
                               <m:dPr>
-                                <m:sepChr m:val=""/>
                                 <m:ctrlPr>
-                                  <a:rPr/>
+                                  <a:rPr i="1">
+                                    <a:latin typeface="Cambria Math" panose="02040503050406030204" pitchFamily="18" charset="0"/>
+                                  </a:rPr>
                                 </m:ctrlPr>
                               </m:dPr>
                               <m:e>
@@ -8888,7 +8912,7 @@
                               <a:rPr>
                                 <a:latin typeface="Cambria Math" panose="02040503050406030204" charset="0"/>
                               </a:rPr>
-                              <m:t> </m:t>
+                              <m:t> </m:t>
                             </m:r>
                             <m:r>
                               <m:rPr>
@@ -8909,9 +8933,10 @@
                             </m:r>
                             <m:d>
                               <m:dPr>
-                                <m:sepChr m:val=""/>
                                 <m:ctrlPr>
-                                  <a:rPr/>
+                                  <a:rPr i="1">
+                                    <a:latin typeface="Cambria Math" panose="02040503050406030204" pitchFamily="18" charset="0"/>
+                                  </a:rPr>
                                 </m:ctrlPr>
                               </m:dPr>
                               <m:e>
@@ -8927,19 +8952,7 @@
                               <a:rPr>
                                 <a:latin typeface="Cambria Math" panose="02040503050406030204" charset="0"/>
                               </a:rPr>
-                              <m:t>≽</m:t>
-                            </m:r>
-                            <m:r>
-                              <a:rPr>
-                                <a:latin typeface="Cambria Math" panose="02040503050406030204" charset="0"/>
-                              </a:rPr>
-                              <m:t>0</m:t>
-                            </m:r>
-                            <m:r>
-                              <a:rPr>
-                                <a:latin typeface="Cambria Math" panose="02040503050406030204" charset="0"/>
-                              </a:rPr>
-                              <m:t>,</m:t>
+                              <m:t>≽0,</m:t>
                             </m:r>
                           </m:e>
                         </m:mr>
@@ -8952,9 +8965,10 @@
                       </m:r>
                       <m:d>
                         <m:dPr>
-                          <m:sepChr m:val=""/>
                           <m:ctrlPr>
-                            <a:rPr/>
+                            <a:rPr i="1">
+                              <a:latin typeface="Cambria Math" panose="02040503050406030204" pitchFamily="18" charset="0"/>
+                            </a:rPr>
                           </m:ctrlPr>
                         </m:dPr>
                         <m:e>
@@ -8969,6 +8983,7 @@
                     </m:oMath>
                   </m:oMathPara>
                 </a14:m>
+                <a:endParaRPr/>
               </a:p>
               <a:p>
                 <a:pPr lvl="0"/>
@@ -8982,9 +8997,10 @@
                     </m:r>
                     <m:d>
                       <m:dPr>
-                        <m:sepChr m:val=""/>
                         <m:ctrlPr>
-                          <a:rPr/>
+                          <a:rPr i="1">
+                            <a:latin typeface="Cambria Math" panose="02040503050406030204" pitchFamily="18" charset="0"/>
+                          </a:rPr>
                         </m:ctrlPr>
                       </m:dPr>
                       <m:e>
@@ -9016,13 +9032,7 @@
                       <a:rPr>
                         <a:latin typeface="Cambria Math" panose="02040503050406030204" charset="0"/>
                       </a:rPr>
-                      <m:t>≽</m:t>
-                    </m:r>
-                    <m:r>
-                      <a:rPr>
-                        <a:latin typeface="Cambria Math" panose="02040503050406030204" charset="0"/>
-                      </a:rPr>
-                      <m:t>0</m:t>
+                      <m:t>≽0</m:t>
                     </m:r>
                   </m:oMath>
                 </a14:m>
@@ -9046,7 +9056,7 @@
             </p:txBody>
           </p:sp>
         </mc:Choice>
-        <mc:Fallback>
+        <mc:Fallback xmlns="">
           <p:sp>
             <p:nvSpPr>
               <p:cNvPr id="3" name="Content Placeholder 2"/>
@@ -9059,7 +9069,7 @@
             </p:nvSpPr>
             <p:spPr>
               <a:blipFill rotWithShape="1">
-                <a:blip r:embed="rId1"/>
+                <a:blip r:embed="rId2"/>
                 <a:stretch>
                   <a:fillRect b="7"/>
                 </a:stretch>
@@ -9089,13 +9099,13 @@
 </file>
 
 <file path=ppt/tags/tag1.xml><?xml version="1.0" encoding="utf-8"?>
-<p:tagLst xmlns:p="http://schemas.openxmlformats.org/presentationml/2006/main">
+<p:tagLst xmlns:a="http://schemas.openxmlformats.org/drawingml/2006/main" xmlns:r="http://schemas.openxmlformats.org/officeDocument/2006/relationships" xmlns:p="http://schemas.openxmlformats.org/presentationml/2006/main">
   <p:tag name="COMMONDATA" val="eyJoZGlkIjoiYjRkMWM5N2M0NTA2ZjVmYmJhMmM5NmQ3ZWEwZjAyYjQifQ=="/>
 </p:tagLst>
 </file>
 
 <file path=ppt/theme/theme1.xml><?xml version="1.0" encoding="utf-8"?>
-<a:theme xmlns:a="http://schemas.openxmlformats.org/drawingml/2006/main" name="Office Theme">
+<a:theme xmlns:a="http://schemas.openxmlformats.org/drawingml/2006/main" name="HDOfficeLightV0">
   <a:themeElements>
     <a:clrScheme name="Office">
       <a:dk1>
@@ -9105,39 +9115,39 @@
         <a:sysClr val="window" lastClr="FFFFFF"/>
       </a:lt1>
       <a:dk2>
-        <a:srgbClr val="1F497D"/>
+        <a:srgbClr val="44546A"/>
       </a:dk2>
       <a:lt2>
-        <a:srgbClr val="EEECE1"/>
+        <a:srgbClr val="E7E6E6"/>
       </a:lt2>
       <a:accent1>
-        <a:srgbClr val="4F81BD"/>
+        <a:srgbClr val="5B9BD5"/>
       </a:accent1>
       <a:accent2>
-        <a:srgbClr val="C0504D"/>
+        <a:srgbClr val="ED7D31"/>
       </a:accent2>
       <a:accent3>
-        <a:srgbClr val="9BBB59"/>
+        <a:srgbClr val="A5A5A5"/>
       </a:accent3>
       <a:accent4>
-        <a:srgbClr val="8064A2"/>
+        <a:srgbClr val="FFC000"/>
       </a:accent4>
       <a:accent5>
-        <a:srgbClr val="4BACC6"/>
+        <a:srgbClr val="4472C4"/>
       </a:accent5>
       <a:accent6>
-        <a:srgbClr val="F79646"/>
+        <a:srgbClr val="70AD47"/>
       </a:accent6>
       <a:hlink>
-        <a:srgbClr val="0000FF"/>
+        <a:srgbClr val="0563C1"/>
       </a:hlink>
       <a:folHlink>
-        <a:srgbClr val="800080"/>
+        <a:srgbClr val="954F72"/>
       </a:folHlink>
     </a:clrScheme>
     <a:fontScheme name="Office">
       <a:majorFont>
-        <a:latin typeface="Calibri"/>
+        <a:latin typeface="Calibri Light"/>
         <a:ea typeface=""/>
         <a:cs typeface=""/>
         <a:font script="Jpan" typeface="ＭＳ Ｐゴシック"/>
@@ -9216,62 +9226,69 @@
           <a:gsLst>
             <a:gs pos="0">
               <a:schemeClr val="phClr">
-                <a:tint val="50000"/>
-                <a:satMod val="300000"/>
+                <a:tint val="67000"/>
+                <a:satMod val="105000"/>
+                <a:lumMod val="110000"/>
               </a:schemeClr>
             </a:gs>
-            <a:gs pos="35000">
+            <a:gs pos="50000">
               <a:schemeClr val="phClr">
-                <a:tint val="37000"/>
-                <a:satMod val="300000"/>
+                <a:tint val="73000"/>
+                <a:satMod val="103000"/>
+                <a:lumMod val="105000"/>
               </a:schemeClr>
             </a:gs>
             <a:gs pos="100000">
               <a:schemeClr val="phClr">
-                <a:tint val="15000"/>
-                <a:satMod val="350000"/>
+                <a:tint val="81000"/>
+                <a:satMod val="109000"/>
+                <a:lumMod val="105000"/>
               </a:schemeClr>
             </a:gs>
           </a:gsLst>
-          <a:lin ang="16200000" scaled="1"/>
+          <a:lin ang="5400000" scaled="0"/>
         </a:gradFill>
         <a:gradFill rotWithShape="1">
           <a:gsLst>
             <a:gs pos="0">
               <a:schemeClr val="phClr">
-                <a:tint val="100000"/>
+                <a:tint val="94000"/>
+                <a:satMod val="103000"/>
+                <a:lumMod val="102000"/>
+              </a:schemeClr>
+            </a:gs>
+            <a:gs pos="50000">
+              <a:schemeClr val="phClr">
                 <a:shade val="100000"/>
-                <a:satMod val="130000"/>
+                <a:satMod val="110000"/>
+                <a:lumMod val="100000"/>
               </a:schemeClr>
             </a:gs>
             <a:gs pos="100000">
               <a:schemeClr val="phClr">
-                <a:tint val="50000"/>
-                <a:shade val="100000"/>
-                <a:satMod val="350000"/>
+                <a:shade val="78000"/>
+                <a:satMod val="120000"/>
+                <a:lumMod val="99000"/>
               </a:schemeClr>
             </a:gs>
           </a:gsLst>
-          <a:lin ang="16200000" scaled="0"/>
+          <a:lin ang="5400000" scaled="0"/>
         </a:gradFill>
       </a:fillStyleLst>
       <a:lnStyleLst>
-        <a:ln w="9525" cap="flat" cmpd="sng" algn="ctr">
-          <a:solidFill>
-            <a:schemeClr val="phClr">
-              <a:shade val="95000"/>
-              <a:satMod val="105000"/>
-            </a:schemeClr>
-          </a:solidFill>
-          <a:prstDash val="solid"/>
-        </a:ln>
-        <a:ln w="25400" cap="flat" cmpd="sng" algn="ctr">
+        <a:ln w="6350" cap="flat" cmpd="sng" algn="ctr">
           <a:solidFill>
             <a:schemeClr val="phClr"/>
           </a:solidFill>
           <a:prstDash val="solid"/>
         </a:ln>
-        <a:ln w="38100" cap="flat" cmpd="sng" algn="ctr">
+        <a:ln w="12700" cap="flat" cmpd="sng" algn="ctr">
+          <a:solidFill>
+            <a:schemeClr val="phClr"/>
+          </a:solidFill>
+          <a:prstDash val="solid"/>
+        </a:ln>
+        <a:ln w="19050" cap="flat" cmpd="sng" algn="ctr">
           <a:solidFill>
             <a:schemeClr val="phClr"/>
           </a:solidFill>
@@ -9280,140 +9297,62 @@
       </a:lnStyleLst>
       <a:effectStyleLst>
         <a:effectStyle>
+          <a:effectLst/>
+        </a:effectStyle>
+        <a:effectStyle>
+          <a:effectLst/>
+        </a:effectStyle>
+        <a:effectStyle>
           <a:effectLst>
-            <a:outerShdw blurRad="40000" dist="20000" dir="5400000" rotWithShape="0">
+            <a:outerShdw blurRad="57150" dist="19050" dir="5400000" algn="ctr" rotWithShape="0">
               <a:srgbClr val="000000">
-                <a:alpha val="38000"/>
+                <a:alpha val="63000"/>
               </a:srgbClr>
             </a:outerShdw>
           </a:effectLst>
-        </a:effectStyle>
-        <a:effectStyle>
-          <a:effectLst>
-            <a:outerShdw blurRad="40000" dist="23000" dir="5400000" rotWithShape="0">
-              <a:srgbClr val="000000">
-                <a:alpha val="35000"/>
-              </a:srgbClr>
-            </a:outerShdw>
-          </a:effectLst>
-        </a:effectStyle>
-        <a:effectStyle>
-          <a:effectLst>
-            <a:outerShdw blurRad="40000" dist="23000" dir="5400000" rotWithShape="0">
-              <a:srgbClr val="000000">
-                <a:alpha val="35000"/>
-              </a:srgbClr>
-            </a:outerShdw>
-          </a:effectLst>
-          <a:scene3d>
-            <a:camera prst="orthographicFront">
-              <a:rot lat="0" lon="0" rev="0"/>
-            </a:camera>
-            <a:lightRig rig="threePt" dir="t">
-              <a:rot lat="0" lon="0" rev="1200000"/>
-            </a:lightRig>
-          </a:scene3d>
-          <a:sp3d>
-            <a:bevelT w="63500" h="25400"/>
-          </a:sp3d>
         </a:effectStyle>
       </a:effectStyleLst>
       <a:bgFillStyleLst>
         <a:solidFill>
           <a:schemeClr val="phClr"/>
         </a:solidFill>
+        <a:solidFill>
+          <a:schemeClr val="phClr">
+            <a:tint val="95000"/>
+            <a:satMod val="170000"/>
+          </a:schemeClr>
+        </a:solidFill>
         <a:gradFill rotWithShape="1">
           <a:gsLst>
             <a:gs pos="0">
               <a:schemeClr val="phClr">
-                <a:tint val="40000"/>
-                <a:satMod val="350000"/>
+                <a:tint val="93000"/>
+                <a:shade val="98000"/>
+                <a:satMod val="150000"/>
+                <a:lumMod val="102000"/>
               </a:schemeClr>
             </a:gs>
-            <a:gs pos="40000">
+            <a:gs pos="50000">
               <a:schemeClr val="phClr">
-                <a:tint val="45000"/>
-                <a:shade val="99000"/>
-                <a:satMod val="350000"/>
+                <a:tint val="98000"/>
+                <a:shade val="90000"/>
+                <a:satMod val="130000"/>
+                <a:lumMod val="103000"/>
               </a:schemeClr>
             </a:gs>
             <a:gs pos="100000">
               <a:schemeClr val="phClr">
-                <a:shade val="20000"/>
-                <a:satMod val="255000"/>
+                <a:shade val="63000"/>
+                <a:satMod val="120000"/>
               </a:schemeClr>
             </a:gs>
           </a:gsLst>
-          <a:path path="circle">
-            <a:fillToRect l="50000" t="-80000" r="50000" b="180000"/>
-          </a:path>
-        </a:gradFill>
-        <a:gradFill rotWithShape="1">
-          <a:gsLst>
-            <a:gs pos="0">
-              <a:schemeClr val="phClr">
-                <a:tint val="80000"/>
-                <a:satMod val="300000"/>
-              </a:schemeClr>
-            </a:gs>
-            <a:gs pos="100000">
-              <a:schemeClr val="phClr">
-                <a:shade val="30000"/>
-                <a:satMod val="200000"/>
-              </a:schemeClr>
-            </a:gs>
-          </a:gsLst>
-          <a:path path="circle">
-            <a:fillToRect l="50000" t="50000" r="50000" b="50000"/>
-          </a:path>
+          <a:lin ang="5400000" scaled="0"/>
         </a:gradFill>
       </a:bgFillStyleLst>
     </a:fmtScheme>
   </a:themeElements>
-  <a:objectDefaults>
-    <a:spDef>
-      <a:spPr/>
-      <a:bodyPr/>
-      <a:lstStyle/>
-      <a:style>
-        <a:lnRef idx="1">
-          <a:schemeClr val="accent1"/>
-        </a:lnRef>
-        <a:fillRef idx="3">
-          <a:schemeClr val="accent1"/>
-        </a:fillRef>
-        <a:effectRef idx="2">
-          <a:schemeClr val="accent1"/>
-        </a:effectRef>
-        <a:fontRef idx="minor">
-          <a:schemeClr val="lt1"/>
-        </a:fontRef>
-      </a:style>
-    </a:spDef>
-    <a:lnDef>
-      <a:spPr/>
-      <a:bodyPr/>
-      <a:lstStyle/>
-      <a:style>
-        <a:lnRef idx="2">
-          <a:schemeClr val="accent1"/>
-        </a:lnRef>
-        <a:fillRef idx="0">
-          <a:schemeClr val="accent1"/>
-        </a:fillRef>
-        <a:effectRef idx="1">
-          <a:schemeClr val="accent1"/>
-        </a:effectRef>
-        <a:fontRef idx="minor">
-          <a:schemeClr val="tx1"/>
-        </a:fontRef>
-      </a:style>
-    </a:lnDef>
-  </a:objectDefaults>
-  <a:extLst>
-    <a:ext uri="{05A4C25C-085E-4340-85A3-A5531E510DB2}">
-      <thm15:themeFamily xmlns:thm15="http://schemas.microsoft.com/office/thememl/2012/main" name="Office Theme" id="{62F939B6-93AF-4DB8-9C6B-D6C7DFDC589F}" vid="{4A3C46E8-61CC-4603-A589-7422A47A8E4A}"/>
-    </a:ext>
-  </a:extLst>
+  <a:objectDefaults/>
+  <a:extraClrSchemeLst/>
 </a:theme>
 </file>